--- a/topic01/talk-2/data-abstraction-and-api.pptx
+++ b/topic01/talk-2/data-abstraction-and-api.pptx
@@ -1,27 +1,27 @@
 
 <file path=ppt/presentation.xml><?xml version="1.0" encoding="utf-8"?>
-<p:presentation xmlns:a="http://schemas.openxmlformats.org/drawingml/2006/main" xmlns:r="http://schemas.openxmlformats.org/officeDocument/2006/relationships" xmlns:mc="http://schemas.openxmlformats.org/markup-compatibility/2006" xmlns:mv="urn:schemas-microsoft-com:mac:vml" xmlns:p="http://schemas.openxmlformats.org/presentationml/2006/main" xmlns:c="http://schemas.openxmlformats.org/drawingml/2006/chart" xmlns:dgm="http://schemas.openxmlformats.org/drawingml/2006/diagram" xmlns:o="urn:schemas-microsoft-com:office:office" xmlns:v="urn:schemas-microsoft-com:vml" xmlns:pvml="urn:schemas-microsoft-com:office:powerpoint" xmlns:com="http://schemas.openxmlformats.org/drawingml/2006/compatibility" xmlns:p14="http://schemas.microsoft.com/office/powerpoint/2010/main" autoCompressPictures="0" strictFirstAndLastChars="0" saveSubsetFonts="1">
+<p:presentation xmlns:a="http://schemas.openxmlformats.org/drawingml/2006/main" xmlns:r="http://schemas.openxmlformats.org/officeDocument/2006/relationships" xmlns:p="http://schemas.openxmlformats.org/presentationml/2006/main" strictFirstAndLastChars="0" saveSubsetFonts="1" autoCompressPictures="0">
   <p:sldMasterIdLst>
-    <p:sldMasterId id="2147483654" r:id="rId4"/>
+    <p:sldMasterId id="2147483654" r:id="rId1"/>
   </p:sldMasterIdLst>
   <p:notesMasterIdLst>
-    <p:notesMasterId r:id="rId5"/>
+    <p:notesMasterId r:id="rId11"/>
   </p:notesMasterIdLst>
   <p:sldIdLst>
-    <p:sldId id="256" r:id="rId6"/>
-    <p:sldId id="257" r:id="rId7"/>
-    <p:sldId id="258" r:id="rId8"/>
-    <p:sldId id="259" r:id="rId9"/>
-    <p:sldId id="260" r:id="rId10"/>
-    <p:sldId id="261" r:id="rId11"/>
-    <p:sldId id="262" r:id="rId12"/>
-    <p:sldId id="263" r:id="rId13"/>
-    <p:sldId id="264" r:id="rId14"/>
+    <p:sldId id="256" r:id="rId2"/>
+    <p:sldId id="257" r:id="rId3"/>
+    <p:sldId id="258" r:id="rId4"/>
+    <p:sldId id="259" r:id="rId5"/>
+    <p:sldId id="260" r:id="rId6"/>
+    <p:sldId id="261" r:id="rId7"/>
+    <p:sldId id="262" r:id="rId8"/>
+    <p:sldId id="263" r:id="rId9"/>
+    <p:sldId id="264" r:id="rId10"/>
   </p:sldIdLst>
-  <p:sldSz cy="5143500" cx="9144000"/>
+  <p:sldSz cx="9144000" cy="5143500" type="screen16x9"/>
   <p:notesSz cx="6858000" cy="9144000"/>
   <p:defaultTextStyle>
-    <a:defPPr marR="0" rtl="0" algn="l">
+    <a:defPPr marR="0" algn="l" rtl="0">
       <a:lnSpc>
         <a:spcPct val="100000"/>
       </a:lnSpc>
@@ -32,7 +32,7 @@
         <a:spcPts val="0"/>
       </a:spcAft>
     </a:defPPr>
-    <a:lvl1pPr marR="0" rtl="0" algn="l">
+    <a:lvl1pPr marR="0" algn="l" rtl="0">
       <a:lnSpc>
         <a:spcPct val="100000"/>
       </a:lnSpc>
@@ -43,7 +43,7 @@
         <a:spcPts val="0"/>
       </a:spcAft>
       <a:buNone/>
-      <a:defRPr b="0" baseline="0" i="0" sz="1400" u="none" cap="none" strike="noStrike">
+      <a:defRPr sz="1400" b="0" i="0" u="none" strike="noStrike" cap="none" baseline="0">
         <a:solidFill>
           <a:srgbClr val="000000"/>
         </a:solidFill>
@@ -54,7 +54,7 @@
         <a:rtl val="0"/>
       </a:defRPr>
     </a:lvl1pPr>
-    <a:lvl2pPr marR="0" rtl="0" algn="l">
+    <a:lvl2pPr marR="0" algn="l" rtl="0">
       <a:lnSpc>
         <a:spcPct val="100000"/>
       </a:lnSpc>
@@ -65,7 +65,7 @@
         <a:spcPts val="0"/>
       </a:spcAft>
       <a:buNone/>
-      <a:defRPr b="0" baseline="0" i="0" sz="1400" u="none" cap="none" strike="noStrike">
+      <a:defRPr sz="1400" b="0" i="0" u="none" strike="noStrike" cap="none" baseline="0">
         <a:solidFill>
           <a:srgbClr val="000000"/>
         </a:solidFill>
@@ -76,7 +76,7 @@
         <a:rtl val="0"/>
       </a:defRPr>
     </a:lvl2pPr>
-    <a:lvl3pPr marR="0" rtl="0" algn="l">
+    <a:lvl3pPr marR="0" algn="l" rtl="0">
       <a:lnSpc>
         <a:spcPct val="100000"/>
       </a:lnSpc>
@@ -87,7 +87,7 @@
         <a:spcPts val="0"/>
       </a:spcAft>
       <a:buNone/>
-      <a:defRPr b="0" baseline="0" i="0" sz="1400" u="none" cap="none" strike="noStrike">
+      <a:defRPr sz="1400" b="0" i="0" u="none" strike="noStrike" cap="none" baseline="0">
         <a:solidFill>
           <a:srgbClr val="000000"/>
         </a:solidFill>
@@ -98,7 +98,7 @@
         <a:rtl val="0"/>
       </a:defRPr>
     </a:lvl3pPr>
-    <a:lvl4pPr marR="0" rtl="0" algn="l">
+    <a:lvl4pPr marR="0" algn="l" rtl="0">
       <a:lnSpc>
         <a:spcPct val="100000"/>
       </a:lnSpc>
@@ -109,7 +109,7 @@
         <a:spcPts val="0"/>
       </a:spcAft>
       <a:buNone/>
-      <a:defRPr b="0" baseline="0" i="0" sz="1400" u="none" cap="none" strike="noStrike">
+      <a:defRPr sz="1400" b="0" i="0" u="none" strike="noStrike" cap="none" baseline="0">
         <a:solidFill>
           <a:srgbClr val="000000"/>
         </a:solidFill>
@@ -120,7 +120,7 @@
         <a:rtl val="0"/>
       </a:defRPr>
     </a:lvl4pPr>
-    <a:lvl5pPr marR="0" rtl="0" algn="l">
+    <a:lvl5pPr marR="0" algn="l" rtl="0">
       <a:lnSpc>
         <a:spcPct val="100000"/>
       </a:lnSpc>
@@ -131,7 +131,7 @@
         <a:spcPts val="0"/>
       </a:spcAft>
       <a:buNone/>
-      <a:defRPr b="0" baseline="0" i="0" sz="1400" u="none" cap="none" strike="noStrike">
+      <a:defRPr sz="1400" b="0" i="0" u="none" strike="noStrike" cap="none" baseline="0">
         <a:solidFill>
           <a:srgbClr val="000000"/>
         </a:solidFill>
@@ -142,7 +142,7 @@
         <a:rtl val="0"/>
       </a:defRPr>
     </a:lvl5pPr>
-    <a:lvl6pPr marR="0" rtl="0" algn="l">
+    <a:lvl6pPr marR="0" algn="l" rtl="0">
       <a:lnSpc>
         <a:spcPct val="100000"/>
       </a:lnSpc>
@@ -153,7 +153,7 @@
         <a:spcPts val="0"/>
       </a:spcAft>
       <a:buNone/>
-      <a:defRPr b="0" baseline="0" i="0" sz="1400" u="none" cap="none" strike="noStrike">
+      <a:defRPr sz="1400" b="0" i="0" u="none" strike="noStrike" cap="none" baseline="0">
         <a:solidFill>
           <a:srgbClr val="000000"/>
         </a:solidFill>
@@ -164,7 +164,7 @@
         <a:rtl val="0"/>
       </a:defRPr>
     </a:lvl6pPr>
-    <a:lvl7pPr marR="0" rtl="0" algn="l">
+    <a:lvl7pPr marR="0" algn="l" rtl="0">
       <a:lnSpc>
         <a:spcPct val="100000"/>
       </a:lnSpc>
@@ -175,7 +175,7 @@
         <a:spcPts val="0"/>
       </a:spcAft>
       <a:buNone/>
-      <a:defRPr b="0" baseline="0" i="0" sz="1400" u="none" cap="none" strike="noStrike">
+      <a:defRPr sz="1400" b="0" i="0" u="none" strike="noStrike" cap="none" baseline="0">
         <a:solidFill>
           <a:srgbClr val="000000"/>
         </a:solidFill>
@@ -186,7 +186,7 @@
         <a:rtl val="0"/>
       </a:defRPr>
     </a:lvl7pPr>
-    <a:lvl8pPr marR="0" rtl="0" algn="l">
+    <a:lvl8pPr marR="0" algn="l" rtl="0">
       <a:lnSpc>
         <a:spcPct val="100000"/>
       </a:lnSpc>
@@ -197,7 +197,7 @@
         <a:spcPts val="0"/>
       </a:spcAft>
       <a:buNone/>
-      <a:defRPr b="0" baseline="0" i="0" sz="1400" u="none" cap="none" strike="noStrike">
+      <a:defRPr sz="1400" b="0" i="0" u="none" strike="noStrike" cap="none" baseline="0">
         <a:solidFill>
           <a:srgbClr val="000000"/>
         </a:solidFill>
@@ -208,7 +208,7 @@
         <a:rtl val="0"/>
       </a:defRPr>
     </a:lvl8pPr>
-    <a:lvl9pPr marR="0" rtl="0" algn="l">
+    <a:lvl9pPr marR="0" algn="l" rtl="0">
       <a:lnSpc>
         <a:spcPct val="100000"/>
       </a:lnSpc>
@@ -219,7 +219,7 @@
         <a:spcPts val="0"/>
       </a:spcAft>
       <a:buNone/>
-      <a:defRPr b="0" baseline="0" i="0" sz="1400" u="none" cap="none" strike="noStrike">
+      <a:defRPr sz="1400" b="0" i="0" u="none" strike="noStrike" cap="none" baseline="0">
         <a:solidFill>
           <a:srgbClr val="000000"/>
         </a:solidFill>
@@ -235,8 +235,13 @@
 </file>
 
 <file path=ppt/notesMasters/notesMaster1.xml><?xml version="1.0" encoding="utf-8"?>
-<p:notesMaster xmlns:a="http://schemas.openxmlformats.org/drawingml/2006/main" xmlns:r="http://schemas.openxmlformats.org/officeDocument/2006/relationships" xmlns:mc="http://schemas.openxmlformats.org/markup-compatibility/2006" xmlns:mv="urn:schemas-microsoft-com:mac:vml" xmlns:p="http://schemas.openxmlformats.org/presentationml/2006/main" xmlns:c="http://schemas.openxmlformats.org/drawingml/2006/chart" xmlns:dgm="http://schemas.openxmlformats.org/drawingml/2006/diagram" xmlns:o="urn:schemas-microsoft-com:office:office" xmlns:v="urn:schemas-microsoft-com:vml" xmlns:pvml="urn:schemas-microsoft-com:office:powerpoint" xmlns:com="http://schemas.openxmlformats.org/drawingml/2006/compatibility" xmlns:p14="http://schemas.microsoft.com/office/powerpoint/2010/main">
+<p:notesMaster xmlns:a="http://schemas.openxmlformats.org/drawingml/2006/main" xmlns:r="http://schemas.openxmlformats.org/officeDocument/2006/relationships" xmlns:p="http://schemas.openxmlformats.org/presentationml/2006/main">
   <p:cSld>
+    <p:bg>
+      <p:bgRef idx="1001">
+        <a:schemeClr val="bg1"/>
+      </p:bgRef>
+    </p:bg>
     <p:spTree>
       <p:nvGrpSpPr>
         <p:cNvPr id="1" name="Shape 1"/>
@@ -254,9 +259,11 @@
       <p:sp>
         <p:nvSpPr>
           <p:cNvPr id="2" name="Shape 2"/>
-          <p:cNvSpPr/>
+          <p:cNvSpPr>
+            <a:spLocks noGrp="1" noRot="1" noChangeAspect="1"/>
+          </p:cNvSpPr>
           <p:nvPr>
-            <p:ph idx="2" type="sldImg"/>
+            <p:ph type="sldImg" idx="2"/>
           </p:nvPr>
         </p:nvSpPr>
         <p:spPr>
@@ -265,8 +272,13 @@
             <a:ext cx="6096299" cy="3429000"/>
           </a:xfrm>
           <a:custGeom>
+            <a:avLst/>
+            <a:gdLst/>
+            <a:ahLst/>
+            <a:cxnLst/>
+            <a:rect l="0" t="0" r="0" b="0"/>
             <a:pathLst>
-              <a:path extrusionOk="0" h="120000" w="120000">
+              <a:path w="120000" h="120000" extrusionOk="0">
                 <a:moveTo>
                   <a:pt x="0" y="0"/>
                 </a:moveTo>
@@ -284,23 +296,25 @@
             </a:pathLst>
           </a:custGeom>
           <a:noFill/>
-          <a:ln cap="flat" cmpd="sng" w="9525">
+          <a:ln w="9525" cap="flat" cmpd="sng">
             <a:solidFill>
               <a:srgbClr val="000000"/>
             </a:solidFill>
             <a:prstDash val="solid"/>
             <a:round/>
-            <a:headEnd len="med" w="med" type="none"/>
-            <a:tailEnd len="med" w="med" type="none"/>
+            <a:headEnd type="none" w="med" len="med"/>
+            <a:tailEnd type="none" w="med" len="med"/>
           </a:ln>
         </p:spPr>
       </p:sp>
       <p:sp>
         <p:nvSpPr>
           <p:cNvPr id="3" name="Shape 3"/>
-          <p:cNvSpPr txBox="1"/>
+          <p:cNvSpPr txBox="1">
+            <a:spLocks noGrp="1"/>
+          </p:cNvSpPr>
           <p:nvPr>
-            <p:ph idx="1" type="body"/>
+            <p:ph type="body" idx="1"/>
           </p:nvPr>
         </p:nvSpPr>
         <p:spPr>
@@ -317,7 +331,7 @@
           </a:ln>
         </p:spPr>
         <p:txBody>
-          <a:bodyPr anchorCtr="0" anchor="t" bIns="91425" lIns="91425" rIns="91425" tIns="91425"/>
+          <a:bodyPr lIns="91425" tIns="91425" rIns="91425" bIns="91425" anchor="t" anchorCtr="0"/>
           <a:lstStyle>
             <a:lvl1pPr>
               <a:spcBef>
@@ -374,21 +388,115 @@
               <a:defRPr sz="1100"/>
             </a:lvl9pPr>
           </a:lstStyle>
-          <a:p/>
+          <a:p>
+            <a:endParaRPr/>
+          </a:p>
         </p:txBody>
       </p:sp>
     </p:spTree>
   </p:cSld>
-  <p:clrMap accent1="accent1" accent2="accent2" accent3="accent3" accent4="accent4" accent5="accent5" accent6="accent6" bg1="lt1" bg2="dk2" tx1="dk1" tx2="lt2" folHlink="folHlink" hlink="hlink"/>
+  <p:clrMap bg1="lt1" tx1="dk1" bg2="dk2" tx2="lt2" accent1="accent1" accent2="accent2" accent3="accent3" accent4="accent4" accent5="accent5" accent6="accent6" hlink="hlink" folHlink="folHlink"/>
+  <p:notesStyle>
+    <a:lvl1pPr marL="0" algn="l" defTabSz="914400" rtl="0" eaLnBrk="1" latinLnBrk="0" hangingPunct="1">
+      <a:defRPr sz="1200" kern="1200">
+        <a:solidFill>
+          <a:schemeClr val="tx1"/>
+        </a:solidFill>
+        <a:latin typeface="+mn-lt"/>
+        <a:ea typeface="+mn-ea"/>
+        <a:cs typeface="+mn-cs"/>
+      </a:defRPr>
+    </a:lvl1pPr>
+    <a:lvl2pPr marL="457200" algn="l" defTabSz="914400" rtl="0" eaLnBrk="1" latinLnBrk="0" hangingPunct="1">
+      <a:defRPr sz="1200" kern="1200">
+        <a:solidFill>
+          <a:schemeClr val="tx1"/>
+        </a:solidFill>
+        <a:latin typeface="+mn-lt"/>
+        <a:ea typeface="+mn-ea"/>
+        <a:cs typeface="+mn-cs"/>
+      </a:defRPr>
+    </a:lvl2pPr>
+    <a:lvl3pPr marL="914400" algn="l" defTabSz="914400" rtl="0" eaLnBrk="1" latinLnBrk="0" hangingPunct="1">
+      <a:defRPr sz="1200" kern="1200">
+        <a:solidFill>
+          <a:schemeClr val="tx1"/>
+        </a:solidFill>
+        <a:latin typeface="+mn-lt"/>
+        <a:ea typeface="+mn-ea"/>
+        <a:cs typeface="+mn-cs"/>
+      </a:defRPr>
+    </a:lvl3pPr>
+    <a:lvl4pPr marL="1371600" algn="l" defTabSz="914400" rtl="0" eaLnBrk="1" latinLnBrk="0" hangingPunct="1">
+      <a:defRPr sz="1200" kern="1200">
+        <a:solidFill>
+          <a:schemeClr val="tx1"/>
+        </a:solidFill>
+        <a:latin typeface="+mn-lt"/>
+        <a:ea typeface="+mn-ea"/>
+        <a:cs typeface="+mn-cs"/>
+      </a:defRPr>
+    </a:lvl4pPr>
+    <a:lvl5pPr marL="1828800" algn="l" defTabSz="914400" rtl="0" eaLnBrk="1" latinLnBrk="0" hangingPunct="1">
+      <a:defRPr sz="1200" kern="1200">
+        <a:solidFill>
+          <a:schemeClr val="tx1"/>
+        </a:solidFill>
+        <a:latin typeface="+mn-lt"/>
+        <a:ea typeface="+mn-ea"/>
+        <a:cs typeface="+mn-cs"/>
+      </a:defRPr>
+    </a:lvl5pPr>
+    <a:lvl6pPr marL="2286000" algn="l" defTabSz="914400" rtl="0" eaLnBrk="1" latinLnBrk="0" hangingPunct="1">
+      <a:defRPr sz="1200" kern="1200">
+        <a:solidFill>
+          <a:schemeClr val="tx1"/>
+        </a:solidFill>
+        <a:latin typeface="+mn-lt"/>
+        <a:ea typeface="+mn-ea"/>
+        <a:cs typeface="+mn-cs"/>
+      </a:defRPr>
+    </a:lvl6pPr>
+    <a:lvl7pPr marL="2743200" algn="l" defTabSz="914400" rtl="0" eaLnBrk="1" latinLnBrk="0" hangingPunct="1">
+      <a:defRPr sz="1200" kern="1200">
+        <a:solidFill>
+          <a:schemeClr val="tx1"/>
+        </a:solidFill>
+        <a:latin typeface="+mn-lt"/>
+        <a:ea typeface="+mn-ea"/>
+        <a:cs typeface="+mn-cs"/>
+      </a:defRPr>
+    </a:lvl7pPr>
+    <a:lvl8pPr marL="3200400" algn="l" defTabSz="914400" rtl="0" eaLnBrk="1" latinLnBrk="0" hangingPunct="1">
+      <a:defRPr sz="1200" kern="1200">
+        <a:solidFill>
+          <a:schemeClr val="tx1"/>
+        </a:solidFill>
+        <a:latin typeface="+mn-lt"/>
+        <a:ea typeface="+mn-ea"/>
+        <a:cs typeface="+mn-cs"/>
+      </a:defRPr>
+    </a:lvl8pPr>
+    <a:lvl9pPr marL="3657600" algn="l" defTabSz="914400" rtl="0" eaLnBrk="1" latinLnBrk="0" hangingPunct="1">
+      <a:defRPr sz="1200" kern="1200">
+        <a:solidFill>
+          <a:schemeClr val="tx1"/>
+        </a:solidFill>
+        <a:latin typeface="+mn-lt"/>
+        <a:ea typeface="+mn-ea"/>
+        <a:cs typeface="+mn-cs"/>
+      </a:defRPr>
+    </a:lvl9pPr>
+  </p:notesStyle>
 </p:notesMaster>
 </file>
 
 <file path=ppt/notesSlides/notesSlide1.xml><?xml version="1.0" encoding="utf-8"?>
-<p:notes xmlns:a="http://schemas.openxmlformats.org/drawingml/2006/main" xmlns:r="http://schemas.openxmlformats.org/officeDocument/2006/relationships" xmlns:mc="http://schemas.openxmlformats.org/markup-compatibility/2006" xmlns:mv="urn:schemas-microsoft-com:mac:vml" xmlns:p="http://schemas.openxmlformats.org/presentationml/2006/main" xmlns:c="http://schemas.openxmlformats.org/drawingml/2006/chart" xmlns:dgm="http://schemas.openxmlformats.org/drawingml/2006/diagram" xmlns:o="urn:schemas-microsoft-com:office:office" xmlns:v="urn:schemas-microsoft-com:vml" xmlns:pvml="urn:schemas-microsoft-com:office:powerpoint" xmlns:com="http://schemas.openxmlformats.org/drawingml/2006/compatibility" xmlns:p14="http://schemas.microsoft.com/office/powerpoint/2010/main" showMasterPhAnim="0" showMasterSp="0">
+<p:notes xmlns:a="http://schemas.openxmlformats.org/drawingml/2006/main" xmlns:r="http://schemas.openxmlformats.org/officeDocument/2006/relationships" xmlns:p="http://schemas.openxmlformats.org/presentationml/2006/main" showMasterSp="0" showMasterPhAnim="0">
   <p:cSld>
     <p:spTree>
       <p:nvGrpSpPr>
-        <p:cNvPr id="25" name="Shape 25"/>
+        <p:cNvPr id="1" name="Shape 25"/>
         <p:cNvGrpSpPr/>
         <p:nvPr/>
       </p:nvGrpSpPr>
@@ -403,9 +511,11 @@
       <p:sp>
         <p:nvSpPr>
           <p:cNvPr id="26" name="Shape 26"/>
-          <p:cNvSpPr/>
+          <p:cNvSpPr>
+            <a:spLocks noGrp="1" noRot="1" noChangeAspect="1"/>
+          </p:cNvSpPr>
           <p:nvPr>
-            <p:ph idx="2" type="sldImg"/>
+            <p:ph type="sldImg" idx="2"/>
           </p:nvPr>
         </p:nvSpPr>
         <p:spPr>
@@ -414,8 +524,13 @@
             <a:ext cx="6096299" cy="3429000"/>
           </a:xfrm>
           <a:custGeom>
+            <a:avLst/>
+            <a:gdLst/>
+            <a:ahLst/>
+            <a:cxnLst/>
+            <a:rect l="0" t="0" r="0" b="0"/>
             <a:pathLst>
-              <a:path extrusionOk="0" h="120000" w="120000">
+              <a:path w="120000" h="120000" extrusionOk="0">
                 <a:moveTo>
                   <a:pt x="0" y="0"/>
                 </a:moveTo>
@@ -433,23 +548,25 @@
             </a:pathLst>
           </a:custGeom>
           <a:noFill/>
-          <a:ln cap="flat" cmpd="sng" w="9525">
+          <a:ln w="9525" cap="flat" cmpd="sng">
             <a:solidFill>
               <a:srgbClr val="000000"/>
             </a:solidFill>
             <a:prstDash val="solid"/>
             <a:round/>
-            <a:headEnd len="med" w="med" type="none"/>
-            <a:tailEnd len="med" w="med" type="none"/>
+            <a:headEnd type="none" w="med" len="med"/>
+            <a:tailEnd type="none" w="med" len="med"/>
           </a:ln>
         </p:spPr>
       </p:sp>
       <p:sp>
         <p:nvSpPr>
           <p:cNvPr id="27" name="Shape 27"/>
-          <p:cNvSpPr txBox="1"/>
+          <p:cNvSpPr txBox="1">
+            <a:spLocks noGrp="1"/>
+          </p:cNvSpPr>
           <p:nvPr>
-            <p:ph idx="1" type="body"/>
+            <p:ph type="body" idx="1"/>
           </p:nvPr>
         </p:nvSpPr>
         <p:spPr>
@@ -462,7 +579,7 @@
           </a:prstGeom>
         </p:spPr>
         <p:txBody>
-          <a:bodyPr anchorCtr="0" anchor="t" bIns="91425" lIns="91425" rIns="91425" tIns="91425">
+          <a:bodyPr lIns="91425" tIns="91425" rIns="91425" bIns="91425" anchor="t" anchorCtr="0">
             <a:noAutofit/>
           </a:bodyPr>
           <a:lstStyle/>
@@ -473,9 +590,6 @@
               </a:spcBef>
               <a:buNone/>
             </a:pPr>
-            <a:r>
-              <a:t/>
-            </a:r>
             <a:endParaRPr/>
           </a:p>
         </p:txBody>
@@ -489,11 +603,11 @@
 </file>
 
 <file path=ppt/notesSlides/notesSlide2.xml><?xml version="1.0" encoding="utf-8"?>
-<p:notes xmlns:a="http://schemas.openxmlformats.org/drawingml/2006/main" xmlns:r="http://schemas.openxmlformats.org/officeDocument/2006/relationships" xmlns:mc="http://schemas.openxmlformats.org/markup-compatibility/2006" xmlns:mv="urn:schemas-microsoft-com:mac:vml" xmlns:p="http://schemas.openxmlformats.org/presentationml/2006/main" xmlns:c="http://schemas.openxmlformats.org/drawingml/2006/chart" xmlns:dgm="http://schemas.openxmlformats.org/drawingml/2006/diagram" xmlns:o="urn:schemas-microsoft-com:office:office" xmlns:v="urn:schemas-microsoft-com:vml" xmlns:pvml="urn:schemas-microsoft-com:office:powerpoint" xmlns:com="http://schemas.openxmlformats.org/drawingml/2006/compatibility" xmlns:p14="http://schemas.microsoft.com/office/powerpoint/2010/main" showMasterPhAnim="0" showMasterSp="0">
+<p:notes xmlns:a="http://schemas.openxmlformats.org/drawingml/2006/main" xmlns:r="http://schemas.openxmlformats.org/officeDocument/2006/relationships" xmlns:p="http://schemas.openxmlformats.org/presentationml/2006/main" showMasterSp="0" showMasterPhAnim="0">
   <p:cSld>
     <p:spTree>
       <p:nvGrpSpPr>
-        <p:cNvPr id="31" name="Shape 31"/>
+        <p:cNvPr id="1" name="Shape 31"/>
         <p:cNvGrpSpPr/>
         <p:nvPr/>
       </p:nvGrpSpPr>
@@ -508,9 +622,11 @@
       <p:sp>
         <p:nvSpPr>
           <p:cNvPr id="32" name="Shape 32"/>
-          <p:cNvSpPr/>
+          <p:cNvSpPr>
+            <a:spLocks noGrp="1" noRot="1" noChangeAspect="1"/>
+          </p:cNvSpPr>
           <p:nvPr>
-            <p:ph idx="2" type="sldImg"/>
+            <p:ph type="sldImg" idx="2"/>
           </p:nvPr>
         </p:nvSpPr>
         <p:spPr>
@@ -519,8 +635,13 @@
             <a:ext cx="6096299" cy="3429000"/>
           </a:xfrm>
           <a:custGeom>
+            <a:avLst/>
+            <a:gdLst/>
+            <a:ahLst/>
+            <a:cxnLst/>
+            <a:rect l="0" t="0" r="0" b="0"/>
             <a:pathLst>
-              <a:path extrusionOk="0" h="120000" w="120000">
+              <a:path w="120000" h="120000" extrusionOk="0">
                 <a:moveTo>
                   <a:pt x="0" y="0"/>
                 </a:moveTo>
@@ -538,23 +659,25 @@
             </a:pathLst>
           </a:custGeom>
           <a:noFill/>
-          <a:ln cap="flat" cmpd="sng" w="9525">
+          <a:ln w="9525" cap="flat" cmpd="sng">
             <a:solidFill>
               <a:srgbClr val="000000"/>
             </a:solidFill>
             <a:prstDash val="solid"/>
             <a:round/>
-            <a:headEnd len="med" w="med" type="none"/>
-            <a:tailEnd len="med" w="med" type="none"/>
+            <a:headEnd type="none" w="med" len="med"/>
+            <a:tailEnd type="none" w="med" len="med"/>
           </a:ln>
         </p:spPr>
       </p:sp>
       <p:sp>
         <p:nvSpPr>
           <p:cNvPr id="33" name="Shape 33"/>
-          <p:cNvSpPr txBox="1"/>
+          <p:cNvSpPr txBox="1">
+            <a:spLocks noGrp="1"/>
+          </p:cNvSpPr>
           <p:nvPr>
-            <p:ph idx="1" type="body"/>
+            <p:ph type="body" idx="1"/>
           </p:nvPr>
         </p:nvSpPr>
         <p:spPr>
@@ -567,7 +690,7 @@
           </a:prstGeom>
         </p:spPr>
         <p:txBody>
-          <a:bodyPr anchorCtr="0" anchor="t" bIns="91425" lIns="91425" rIns="91425" tIns="91425">
+          <a:bodyPr lIns="91425" tIns="91425" rIns="91425" bIns="91425" anchor="t" anchorCtr="0">
             <a:noAutofit/>
           </a:bodyPr>
           <a:lstStyle/>
@@ -578,9 +701,6 @@
               </a:spcBef>
               <a:buNone/>
             </a:pPr>
-            <a:r>
-              <a:t/>
-            </a:r>
             <a:endParaRPr/>
           </a:p>
         </p:txBody>
@@ -594,11 +714,11 @@
 </file>
 
 <file path=ppt/notesSlides/notesSlide3.xml><?xml version="1.0" encoding="utf-8"?>
-<p:notes xmlns:a="http://schemas.openxmlformats.org/drawingml/2006/main" xmlns:r="http://schemas.openxmlformats.org/officeDocument/2006/relationships" xmlns:mc="http://schemas.openxmlformats.org/markup-compatibility/2006" xmlns:mv="urn:schemas-microsoft-com:mac:vml" xmlns:p="http://schemas.openxmlformats.org/presentationml/2006/main" xmlns:c="http://schemas.openxmlformats.org/drawingml/2006/chart" xmlns:dgm="http://schemas.openxmlformats.org/drawingml/2006/diagram" xmlns:o="urn:schemas-microsoft-com:office:office" xmlns:v="urn:schemas-microsoft-com:vml" xmlns:pvml="urn:schemas-microsoft-com:office:powerpoint" xmlns:com="http://schemas.openxmlformats.org/drawingml/2006/compatibility" xmlns:p14="http://schemas.microsoft.com/office/powerpoint/2010/main" showMasterPhAnim="0" showMasterSp="0">
+<p:notes xmlns:a="http://schemas.openxmlformats.org/drawingml/2006/main" xmlns:r="http://schemas.openxmlformats.org/officeDocument/2006/relationships" xmlns:p="http://schemas.openxmlformats.org/presentationml/2006/main" showMasterSp="0" showMasterPhAnim="0">
   <p:cSld>
     <p:spTree>
       <p:nvGrpSpPr>
-        <p:cNvPr id="37" name="Shape 37"/>
+        <p:cNvPr id="1" name="Shape 37"/>
         <p:cNvGrpSpPr/>
         <p:nvPr/>
       </p:nvGrpSpPr>
@@ -613,9 +733,11 @@
       <p:sp>
         <p:nvSpPr>
           <p:cNvPr id="38" name="Shape 38"/>
-          <p:cNvSpPr/>
+          <p:cNvSpPr>
+            <a:spLocks noGrp="1" noRot="1" noChangeAspect="1"/>
+          </p:cNvSpPr>
           <p:nvPr>
-            <p:ph idx="2" type="sldImg"/>
+            <p:ph type="sldImg" idx="2"/>
           </p:nvPr>
         </p:nvSpPr>
         <p:spPr>
@@ -624,8 +746,13 @@
             <a:ext cx="6096299" cy="3429000"/>
           </a:xfrm>
           <a:custGeom>
+            <a:avLst/>
+            <a:gdLst/>
+            <a:ahLst/>
+            <a:cxnLst/>
+            <a:rect l="0" t="0" r="0" b="0"/>
             <a:pathLst>
-              <a:path extrusionOk="0" h="120000" w="120000">
+              <a:path w="120000" h="120000" extrusionOk="0">
                 <a:moveTo>
                   <a:pt x="0" y="0"/>
                 </a:moveTo>
@@ -643,23 +770,25 @@
             </a:pathLst>
           </a:custGeom>
           <a:noFill/>
-          <a:ln cap="flat" cmpd="sng" w="9525">
+          <a:ln w="9525" cap="flat" cmpd="sng">
             <a:solidFill>
               <a:srgbClr val="000000"/>
             </a:solidFill>
             <a:prstDash val="solid"/>
             <a:round/>
-            <a:headEnd len="med" w="med" type="none"/>
-            <a:tailEnd len="med" w="med" type="none"/>
+            <a:headEnd type="none" w="med" len="med"/>
+            <a:tailEnd type="none" w="med" len="med"/>
           </a:ln>
         </p:spPr>
       </p:sp>
       <p:sp>
         <p:nvSpPr>
           <p:cNvPr id="39" name="Shape 39"/>
-          <p:cNvSpPr txBox="1"/>
+          <p:cNvSpPr txBox="1">
+            <a:spLocks noGrp="1"/>
+          </p:cNvSpPr>
           <p:nvPr>
-            <p:ph idx="1" type="body"/>
+            <p:ph type="body" idx="1"/>
           </p:nvPr>
         </p:nvSpPr>
         <p:spPr>
@@ -672,7 +801,7 @@
           </a:prstGeom>
         </p:spPr>
         <p:txBody>
-          <a:bodyPr anchorCtr="0" anchor="t" bIns="91425" lIns="91425" rIns="91425" tIns="91425">
+          <a:bodyPr lIns="91425" tIns="91425" rIns="91425" bIns="91425" anchor="t" anchorCtr="0">
             <a:noAutofit/>
           </a:bodyPr>
           <a:lstStyle/>
@@ -683,9 +812,6 @@
               </a:spcBef>
               <a:buNone/>
             </a:pPr>
-            <a:r>
-              <a:t/>
-            </a:r>
             <a:endParaRPr/>
           </a:p>
         </p:txBody>
@@ -699,11 +825,11 @@
 </file>
 
 <file path=ppt/notesSlides/notesSlide4.xml><?xml version="1.0" encoding="utf-8"?>
-<p:notes xmlns:a="http://schemas.openxmlformats.org/drawingml/2006/main" xmlns:r="http://schemas.openxmlformats.org/officeDocument/2006/relationships" xmlns:mc="http://schemas.openxmlformats.org/markup-compatibility/2006" xmlns:mv="urn:schemas-microsoft-com:mac:vml" xmlns:p="http://schemas.openxmlformats.org/presentationml/2006/main" xmlns:c="http://schemas.openxmlformats.org/drawingml/2006/chart" xmlns:dgm="http://schemas.openxmlformats.org/drawingml/2006/diagram" xmlns:o="urn:schemas-microsoft-com:office:office" xmlns:v="urn:schemas-microsoft-com:vml" xmlns:pvml="urn:schemas-microsoft-com:office:powerpoint" xmlns:com="http://schemas.openxmlformats.org/drawingml/2006/compatibility" xmlns:p14="http://schemas.microsoft.com/office/powerpoint/2010/main" showMasterPhAnim="0" showMasterSp="0">
+<p:notes xmlns:a="http://schemas.openxmlformats.org/drawingml/2006/main" xmlns:r="http://schemas.openxmlformats.org/officeDocument/2006/relationships" xmlns:p="http://schemas.openxmlformats.org/presentationml/2006/main" showMasterSp="0" showMasterPhAnim="0">
   <p:cSld>
     <p:spTree>
       <p:nvGrpSpPr>
-        <p:cNvPr id="44" name="Shape 44"/>
+        <p:cNvPr id="1" name="Shape 44"/>
         <p:cNvGrpSpPr/>
         <p:nvPr/>
       </p:nvGrpSpPr>
@@ -718,9 +844,11 @@
       <p:sp>
         <p:nvSpPr>
           <p:cNvPr id="45" name="Shape 45"/>
-          <p:cNvSpPr/>
+          <p:cNvSpPr>
+            <a:spLocks noGrp="1" noRot="1" noChangeAspect="1"/>
+          </p:cNvSpPr>
           <p:nvPr>
-            <p:ph idx="2" type="sldImg"/>
+            <p:ph type="sldImg" idx="2"/>
           </p:nvPr>
         </p:nvSpPr>
         <p:spPr>
@@ -729,8 +857,13 @@
             <a:ext cx="6096299" cy="3429000"/>
           </a:xfrm>
           <a:custGeom>
+            <a:avLst/>
+            <a:gdLst/>
+            <a:ahLst/>
+            <a:cxnLst/>
+            <a:rect l="0" t="0" r="0" b="0"/>
             <a:pathLst>
-              <a:path extrusionOk="0" h="120000" w="120000">
+              <a:path w="120000" h="120000" extrusionOk="0">
                 <a:moveTo>
                   <a:pt x="0" y="0"/>
                 </a:moveTo>
@@ -748,23 +881,25 @@
             </a:pathLst>
           </a:custGeom>
           <a:noFill/>
-          <a:ln cap="flat" cmpd="sng" w="9525">
+          <a:ln w="9525" cap="flat" cmpd="sng">
             <a:solidFill>
               <a:srgbClr val="000000"/>
             </a:solidFill>
             <a:prstDash val="solid"/>
             <a:round/>
-            <a:headEnd len="med" w="med" type="none"/>
-            <a:tailEnd len="med" w="med" type="none"/>
+            <a:headEnd type="none" w="med" len="med"/>
+            <a:tailEnd type="none" w="med" len="med"/>
           </a:ln>
         </p:spPr>
       </p:sp>
       <p:sp>
         <p:nvSpPr>
           <p:cNvPr id="46" name="Shape 46"/>
-          <p:cNvSpPr txBox="1"/>
+          <p:cNvSpPr txBox="1">
+            <a:spLocks noGrp="1"/>
+          </p:cNvSpPr>
           <p:nvPr>
-            <p:ph idx="1" type="body"/>
+            <p:ph type="body" idx="1"/>
           </p:nvPr>
         </p:nvSpPr>
         <p:spPr>
@@ -777,7 +912,7 @@
           </a:prstGeom>
         </p:spPr>
         <p:txBody>
-          <a:bodyPr anchorCtr="0" anchor="t" bIns="91425" lIns="91425" rIns="91425" tIns="91425">
+          <a:bodyPr lIns="91425" tIns="91425" rIns="91425" bIns="91425" anchor="t" anchorCtr="0">
             <a:noAutofit/>
           </a:bodyPr>
           <a:lstStyle/>
@@ -788,9 +923,6 @@
               </a:spcBef>
               <a:buNone/>
             </a:pPr>
-            <a:r>
-              <a:t/>
-            </a:r>
             <a:endParaRPr/>
           </a:p>
         </p:txBody>
@@ -804,11 +936,11 @@
 </file>
 
 <file path=ppt/notesSlides/notesSlide5.xml><?xml version="1.0" encoding="utf-8"?>
-<p:notes xmlns:a="http://schemas.openxmlformats.org/drawingml/2006/main" xmlns:r="http://schemas.openxmlformats.org/officeDocument/2006/relationships" xmlns:mc="http://schemas.openxmlformats.org/markup-compatibility/2006" xmlns:mv="urn:schemas-microsoft-com:mac:vml" xmlns:p="http://schemas.openxmlformats.org/presentationml/2006/main" xmlns:c="http://schemas.openxmlformats.org/drawingml/2006/chart" xmlns:dgm="http://schemas.openxmlformats.org/drawingml/2006/diagram" xmlns:o="urn:schemas-microsoft-com:office:office" xmlns:v="urn:schemas-microsoft-com:vml" xmlns:pvml="urn:schemas-microsoft-com:office:powerpoint" xmlns:com="http://schemas.openxmlformats.org/drawingml/2006/compatibility" xmlns:p14="http://schemas.microsoft.com/office/powerpoint/2010/main" showMasterPhAnim="0" showMasterSp="0">
+<p:notes xmlns:a="http://schemas.openxmlformats.org/drawingml/2006/main" xmlns:r="http://schemas.openxmlformats.org/officeDocument/2006/relationships" xmlns:p="http://schemas.openxmlformats.org/presentationml/2006/main" showMasterSp="0" showMasterPhAnim="0">
   <p:cSld>
     <p:spTree>
       <p:nvGrpSpPr>
-        <p:cNvPr id="52" name="Shape 52"/>
+        <p:cNvPr id="1" name="Shape 52"/>
         <p:cNvGrpSpPr/>
         <p:nvPr/>
       </p:nvGrpSpPr>
@@ -823,9 +955,11 @@
       <p:sp>
         <p:nvSpPr>
           <p:cNvPr id="53" name="Shape 53"/>
-          <p:cNvSpPr/>
+          <p:cNvSpPr>
+            <a:spLocks noGrp="1" noRot="1" noChangeAspect="1"/>
+          </p:cNvSpPr>
           <p:nvPr>
-            <p:ph idx="2" type="sldImg"/>
+            <p:ph type="sldImg" idx="2"/>
           </p:nvPr>
         </p:nvSpPr>
         <p:spPr>
@@ -834,8 +968,13 @@
             <a:ext cx="6096299" cy="3429000"/>
           </a:xfrm>
           <a:custGeom>
+            <a:avLst/>
+            <a:gdLst/>
+            <a:ahLst/>
+            <a:cxnLst/>
+            <a:rect l="0" t="0" r="0" b="0"/>
             <a:pathLst>
-              <a:path extrusionOk="0" h="120000" w="120000">
+              <a:path w="120000" h="120000" extrusionOk="0">
                 <a:moveTo>
                   <a:pt x="0" y="0"/>
                 </a:moveTo>
@@ -853,23 +992,25 @@
             </a:pathLst>
           </a:custGeom>
           <a:noFill/>
-          <a:ln cap="flat" cmpd="sng" w="9525">
+          <a:ln w="9525" cap="flat" cmpd="sng">
             <a:solidFill>
               <a:srgbClr val="000000"/>
             </a:solidFill>
             <a:prstDash val="solid"/>
             <a:round/>
-            <a:headEnd len="med" w="med" type="none"/>
-            <a:tailEnd len="med" w="med" type="none"/>
+            <a:headEnd type="none" w="med" len="med"/>
+            <a:tailEnd type="none" w="med" len="med"/>
           </a:ln>
         </p:spPr>
       </p:sp>
       <p:sp>
         <p:nvSpPr>
           <p:cNvPr id="54" name="Shape 54"/>
-          <p:cNvSpPr txBox="1"/>
+          <p:cNvSpPr txBox="1">
+            <a:spLocks noGrp="1"/>
+          </p:cNvSpPr>
           <p:nvPr>
-            <p:ph idx="1" type="body"/>
+            <p:ph type="body" idx="1"/>
           </p:nvPr>
         </p:nvSpPr>
         <p:spPr>
@@ -882,7 +1023,7 @@
           </a:prstGeom>
         </p:spPr>
         <p:txBody>
-          <a:bodyPr anchorCtr="0" anchor="t" bIns="91425" lIns="91425" rIns="91425" tIns="91425">
+          <a:bodyPr lIns="91425" tIns="91425" rIns="91425" bIns="91425" anchor="t" anchorCtr="0">
             <a:noAutofit/>
           </a:bodyPr>
           <a:lstStyle/>
@@ -893,9 +1034,6 @@
               </a:spcBef>
               <a:buNone/>
             </a:pPr>
-            <a:r>
-              <a:t/>
-            </a:r>
             <a:endParaRPr/>
           </a:p>
         </p:txBody>
@@ -909,11 +1047,11 @@
 </file>
 
 <file path=ppt/notesSlides/notesSlide6.xml><?xml version="1.0" encoding="utf-8"?>
-<p:notes xmlns:a="http://schemas.openxmlformats.org/drawingml/2006/main" xmlns:r="http://schemas.openxmlformats.org/officeDocument/2006/relationships" xmlns:mc="http://schemas.openxmlformats.org/markup-compatibility/2006" xmlns:mv="urn:schemas-microsoft-com:mac:vml" xmlns:p="http://schemas.openxmlformats.org/presentationml/2006/main" xmlns:c="http://schemas.openxmlformats.org/drawingml/2006/chart" xmlns:dgm="http://schemas.openxmlformats.org/drawingml/2006/diagram" xmlns:o="urn:schemas-microsoft-com:office:office" xmlns:v="urn:schemas-microsoft-com:vml" xmlns:pvml="urn:schemas-microsoft-com:office:powerpoint" xmlns:com="http://schemas.openxmlformats.org/drawingml/2006/compatibility" xmlns:p14="http://schemas.microsoft.com/office/powerpoint/2010/main" showMasterPhAnim="0" showMasterSp="0">
+<p:notes xmlns:a="http://schemas.openxmlformats.org/drawingml/2006/main" xmlns:r="http://schemas.openxmlformats.org/officeDocument/2006/relationships" xmlns:p="http://schemas.openxmlformats.org/presentationml/2006/main" showMasterSp="0" showMasterPhAnim="0">
   <p:cSld>
     <p:spTree>
       <p:nvGrpSpPr>
-        <p:cNvPr id="58" name="Shape 58"/>
+        <p:cNvPr id="1" name="Shape 58"/>
         <p:cNvGrpSpPr/>
         <p:nvPr/>
       </p:nvGrpSpPr>
@@ -928,19 +1066,26 @@
       <p:sp>
         <p:nvSpPr>
           <p:cNvPr id="59" name="Shape 59"/>
-          <p:cNvSpPr/>
+          <p:cNvSpPr>
+            <a:spLocks noGrp="1" noRot="1" noChangeAspect="1"/>
+          </p:cNvSpPr>
           <p:nvPr>
-            <p:ph idx="2" type="sldImg"/>
+            <p:ph type="sldImg" idx="2"/>
           </p:nvPr>
         </p:nvSpPr>
         <p:spPr>
           <a:xfrm>
-            <a:off x="381187" y="685800"/>
-            <a:ext cx="6096299" cy="3429000"/>
+            <a:off x="381000" y="685800"/>
+            <a:ext cx="6096000" cy="3429000"/>
           </a:xfrm>
           <a:custGeom>
+            <a:avLst/>
+            <a:gdLst/>
+            <a:ahLst/>
+            <a:cxnLst/>
+            <a:rect l="0" t="0" r="0" b="0"/>
             <a:pathLst>
-              <a:path extrusionOk="0" h="120000" w="120000">
+              <a:path w="120000" h="120000" extrusionOk="0">
                 <a:moveTo>
                   <a:pt x="0" y="0"/>
                 </a:moveTo>
@@ -958,23 +1103,25 @@
             </a:pathLst>
           </a:custGeom>
           <a:noFill/>
-          <a:ln cap="flat" cmpd="sng" w="9525">
+          <a:ln w="9525" cap="flat" cmpd="sng">
             <a:solidFill>
               <a:srgbClr val="000000"/>
             </a:solidFill>
             <a:prstDash val="solid"/>
             <a:round/>
-            <a:headEnd len="med" w="med" type="none"/>
-            <a:tailEnd len="med" w="med" type="none"/>
+            <a:headEnd type="none" w="med" len="med"/>
+            <a:tailEnd type="none" w="med" len="med"/>
           </a:ln>
         </p:spPr>
       </p:sp>
       <p:sp>
         <p:nvSpPr>
           <p:cNvPr id="60" name="Shape 60"/>
-          <p:cNvSpPr txBox="1"/>
+          <p:cNvSpPr txBox="1">
+            <a:spLocks noGrp="1"/>
+          </p:cNvSpPr>
           <p:nvPr>
-            <p:ph idx="1" type="body"/>
+            <p:ph type="body" idx="1"/>
           </p:nvPr>
         </p:nvSpPr>
         <p:spPr>
@@ -987,7 +1134,7 @@
           </a:prstGeom>
         </p:spPr>
         <p:txBody>
-          <a:bodyPr anchorCtr="0" anchor="t" bIns="91425" lIns="91425" rIns="91425" tIns="91425">
+          <a:bodyPr lIns="91425" tIns="91425" rIns="91425" bIns="91425" anchor="t" anchorCtr="0">
             <a:noAutofit/>
           </a:bodyPr>
           <a:lstStyle/>
@@ -998,9 +1145,6 @@
               </a:spcBef>
               <a:buNone/>
             </a:pPr>
-            <a:r>
-              <a:t/>
-            </a:r>
             <a:endParaRPr/>
           </a:p>
         </p:txBody>
@@ -1014,11 +1158,11 @@
 </file>
 
 <file path=ppt/notesSlides/notesSlide7.xml><?xml version="1.0" encoding="utf-8"?>
-<p:notes xmlns:a="http://schemas.openxmlformats.org/drawingml/2006/main" xmlns:r="http://schemas.openxmlformats.org/officeDocument/2006/relationships" xmlns:mc="http://schemas.openxmlformats.org/markup-compatibility/2006" xmlns:mv="urn:schemas-microsoft-com:mac:vml" xmlns:p="http://schemas.openxmlformats.org/presentationml/2006/main" xmlns:c="http://schemas.openxmlformats.org/drawingml/2006/chart" xmlns:dgm="http://schemas.openxmlformats.org/drawingml/2006/diagram" xmlns:o="urn:schemas-microsoft-com:office:office" xmlns:v="urn:schemas-microsoft-com:vml" xmlns:pvml="urn:schemas-microsoft-com:office:powerpoint" xmlns:com="http://schemas.openxmlformats.org/drawingml/2006/compatibility" xmlns:p14="http://schemas.microsoft.com/office/powerpoint/2010/main" showMasterPhAnim="0" showMasterSp="0">
+<p:notes xmlns:a="http://schemas.openxmlformats.org/drawingml/2006/main" xmlns:r="http://schemas.openxmlformats.org/officeDocument/2006/relationships" xmlns:p="http://schemas.openxmlformats.org/presentationml/2006/main" showMasterSp="0" showMasterPhAnim="0">
   <p:cSld>
     <p:spTree>
       <p:nvGrpSpPr>
-        <p:cNvPr id="64" name="Shape 64"/>
+        <p:cNvPr id="1" name="Shape 64"/>
         <p:cNvGrpSpPr/>
         <p:nvPr/>
       </p:nvGrpSpPr>
@@ -1033,9 +1177,11 @@
       <p:sp>
         <p:nvSpPr>
           <p:cNvPr id="65" name="Shape 65"/>
-          <p:cNvSpPr/>
+          <p:cNvSpPr>
+            <a:spLocks noGrp="1" noRot="1" noChangeAspect="1"/>
+          </p:cNvSpPr>
           <p:nvPr>
-            <p:ph idx="2" type="sldImg"/>
+            <p:ph type="sldImg" idx="2"/>
           </p:nvPr>
         </p:nvSpPr>
         <p:spPr>
@@ -1044,8 +1190,13 @@
             <a:ext cx="6096299" cy="3429000"/>
           </a:xfrm>
           <a:custGeom>
+            <a:avLst/>
+            <a:gdLst/>
+            <a:ahLst/>
+            <a:cxnLst/>
+            <a:rect l="0" t="0" r="0" b="0"/>
             <a:pathLst>
-              <a:path extrusionOk="0" h="120000" w="120000">
+              <a:path w="120000" h="120000" extrusionOk="0">
                 <a:moveTo>
                   <a:pt x="0" y="0"/>
                 </a:moveTo>
@@ -1063,23 +1214,25 @@
             </a:pathLst>
           </a:custGeom>
           <a:noFill/>
-          <a:ln cap="flat" cmpd="sng" w="9525">
+          <a:ln w="9525" cap="flat" cmpd="sng">
             <a:solidFill>
               <a:srgbClr val="000000"/>
             </a:solidFill>
             <a:prstDash val="solid"/>
             <a:round/>
-            <a:headEnd len="med" w="med" type="none"/>
-            <a:tailEnd len="med" w="med" type="none"/>
+            <a:headEnd type="none" w="med" len="med"/>
+            <a:tailEnd type="none" w="med" len="med"/>
           </a:ln>
         </p:spPr>
       </p:sp>
       <p:sp>
         <p:nvSpPr>
           <p:cNvPr id="66" name="Shape 66"/>
-          <p:cNvSpPr txBox="1"/>
+          <p:cNvSpPr txBox="1">
+            <a:spLocks noGrp="1"/>
+          </p:cNvSpPr>
           <p:nvPr>
-            <p:ph idx="1" type="body"/>
+            <p:ph type="body" idx="1"/>
           </p:nvPr>
         </p:nvSpPr>
         <p:spPr>
@@ -1092,7 +1245,7 @@
           </a:prstGeom>
         </p:spPr>
         <p:txBody>
-          <a:bodyPr anchorCtr="0" anchor="t" bIns="91425" lIns="91425" rIns="91425" tIns="91425">
+          <a:bodyPr lIns="91425" tIns="91425" rIns="91425" bIns="91425" anchor="t" anchorCtr="0">
             <a:noAutofit/>
           </a:bodyPr>
           <a:lstStyle/>
@@ -1103,9 +1256,6 @@
               </a:spcBef>
               <a:buNone/>
             </a:pPr>
-            <a:r>
-              <a:t/>
-            </a:r>
             <a:endParaRPr/>
           </a:p>
         </p:txBody>
@@ -1119,11 +1269,11 @@
 </file>
 
 <file path=ppt/notesSlides/notesSlide8.xml><?xml version="1.0" encoding="utf-8"?>
-<p:notes xmlns:a="http://schemas.openxmlformats.org/drawingml/2006/main" xmlns:r="http://schemas.openxmlformats.org/officeDocument/2006/relationships" xmlns:mc="http://schemas.openxmlformats.org/markup-compatibility/2006" xmlns:mv="urn:schemas-microsoft-com:mac:vml" xmlns:p="http://schemas.openxmlformats.org/presentationml/2006/main" xmlns:c="http://schemas.openxmlformats.org/drawingml/2006/chart" xmlns:dgm="http://schemas.openxmlformats.org/drawingml/2006/diagram" xmlns:o="urn:schemas-microsoft-com:office:office" xmlns:v="urn:schemas-microsoft-com:vml" xmlns:pvml="urn:schemas-microsoft-com:office:powerpoint" xmlns:com="http://schemas.openxmlformats.org/drawingml/2006/compatibility" xmlns:p14="http://schemas.microsoft.com/office/powerpoint/2010/main" showMasterPhAnim="0" showMasterSp="0">
+<p:notes xmlns:a="http://schemas.openxmlformats.org/drawingml/2006/main" xmlns:r="http://schemas.openxmlformats.org/officeDocument/2006/relationships" xmlns:p="http://schemas.openxmlformats.org/presentationml/2006/main" showMasterSp="0" showMasterPhAnim="0">
   <p:cSld>
     <p:spTree>
       <p:nvGrpSpPr>
-        <p:cNvPr id="70" name="Shape 70"/>
+        <p:cNvPr id="1" name="Shape 70"/>
         <p:cNvGrpSpPr/>
         <p:nvPr/>
       </p:nvGrpSpPr>
@@ -1138,9 +1288,11 @@
       <p:sp>
         <p:nvSpPr>
           <p:cNvPr id="71" name="Shape 71"/>
-          <p:cNvSpPr/>
+          <p:cNvSpPr>
+            <a:spLocks noGrp="1" noRot="1" noChangeAspect="1"/>
+          </p:cNvSpPr>
           <p:nvPr>
-            <p:ph idx="2" type="sldImg"/>
+            <p:ph type="sldImg" idx="2"/>
           </p:nvPr>
         </p:nvSpPr>
         <p:spPr>
@@ -1149,8 +1301,13 @@
             <a:ext cx="6096299" cy="3429000"/>
           </a:xfrm>
           <a:custGeom>
+            <a:avLst/>
+            <a:gdLst/>
+            <a:ahLst/>
+            <a:cxnLst/>
+            <a:rect l="0" t="0" r="0" b="0"/>
             <a:pathLst>
-              <a:path extrusionOk="0" h="120000" w="120000">
+              <a:path w="120000" h="120000" extrusionOk="0">
                 <a:moveTo>
                   <a:pt x="0" y="0"/>
                 </a:moveTo>
@@ -1168,23 +1325,25 @@
             </a:pathLst>
           </a:custGeom>
           <a:noFill/>
-          <a:ln cap="flat" cmpd="sng" w="9525">
+          <a:ln w="9525" cap="flat" cmpd="sng">
             <a:solidFill>
               <a:srgbClr val="000000"/>
             </a:solidFill>
             <a:prstDash val="solid"/>
             <a:round/>
-            <a:headEnd len="med" w="med" type="none"/>
-            <a:tailEnd len="med" w="med" type="none"/>
+            <a:headEnd type="none" w="med" len="med"/>
+            <a:tailEnd type="none" w="med" len="med"/>
           </a:ln>
         </p:spPr>
       </p:sp>
       <p:sp>
         <p:nvSpPr>
           <p:cNvPr id="72" name="Shape 72"/>
-          <p:cNvSpPr txBox="1"/>
+          <p:cNvSpPr txBox="1">
+            <a:spLocks noGrp="1"/>
+          </p:cNvSpPr>
           <p:nvPr>
-            <p:ph idx="1" type="body"/>
+            <p:ph type="body" idx="1"/>
           </p:nvPr>
         </p:nvSpPr>
         <p:spPr>
@@ -1197,7 +1356,7 @@
           </a:prstGeom>
         </p:spPr>
         <p:txBody>
-          <a:bodyPr anchorCtr="0" anchor="t" bIns="91425" lIns="91425" rIns="91425" tIns="91425">
+          <a:bodyPr lIns="91425" tIns="91425" rIns="91425" bIns="91425" anchor="t" anchorCtr="0">
             <a:noAutofit/>
           </a:bodyPr>
           <a:lstStyle/>
@@ -1208,9 +1367,6 @@
               </a:spcBef>
               <a:buNone/>
             </a:pPr>
-            <a:r>
-              <a:t/>
-            </a:r>
             <a:endParaRPr/>
           </a:p>
         </p:txBody>
@@ -1224,11 +1380,11 @@
 </file>
 
 <file path=ppt/notesSlides/notesSlide9.xml><?xml version="1.0" encoding="utf-8"?>
-<p:notes xmlns:a="http://schemas.openxmlformats.org/drawingml/2006/main" xmlns:r="http://schemas.openxmlformats.org/officeDocument/2006/relationships" xmlns:mc="http://schemas.openxmlformats.org/markup-compatibility/2006" xmlns:mv="urn:schemas-microsoft-com:mac:vml" xmlns:p="http://schemas.openxmlformats.org/presentationml/2006/main" xmlns:c="http://schemas.openxmlformats.org/drawingml/2006/chart" xmlns:dgm="http://schemas.openxmlformats.org/drawingml/2006/diagram" xmlns:o="urn:schemas-microsoft-com:office:office" xmlns:v="urn:schemas-microsoft-com:vml" xmlns:pvml="urn:schemas-microsoft-com:office:powerpoint" xmlns:com="http://schemas.openxmlformats.org/drawingml/2006/compatibility" xmlns:p14="http://schemas.microsoft.com/office/powerpoint/2010/main" showMasterPhAnim="0" showMasterSp="0">
+<p:notes xmlns:a="http://schemas.openxmlformats.org/drawingml/2006/main" xmlns:r="http://schemas.openxmlformats.org/officeDocument/2006/relationships" xmlns:p="http://schemas.openxmlformats.org/presentationml/2006/main" showMasterSp="0" showMasterPhAnim="0">
   <p:cSld>
     <p:spTree>
       <p:nvGrpSpPr>
-        <p:cNvPr id="76" name="Shape 76"/>
+        <p:cNvPr id="1" name="Shape 76"/>
         <p:cNvGrpSpPr/>
         <p:nvPr/>
       </p:nvGrpSpPr>
@@ -1243,9 +1399,11 @@
       <p:sp>
         <p:nvSpPr>
           <p:cNvPr id="77" name="Shape 77"/>
-          <p:cNvSpPr/>
+          <p:cNvSpPr>
+            <a:spLocks noGrp="1" noRot="1" noChangeAspect="1"/>
+          </p:cNvSpPr>
           <p:nvPr>
-            <p:ph idx="2" type="sldImg"/>
+            <p:ph type="sldImg" idx="2"/>
           </p:nvPr>
         </p:nvSpPr>
         <p:spPr>
@@ -1254,8 +1412,13 @@
             <a:ext cx="6096299" cy="3429000"/>
           </a:xfrm>
           <a:custGeom>
+            <a:avLst/>
+            <a:gdLst/>
+            <a:ahLst/>
+            <a:cxnLst/>
+            <a:rect l="0" t="0" r="0" b="0"/>
             <a:pathLst>
-              <a:path extrusionOk="0" h="120000" w="120000">
+              <a:path w="120000" h="120000" extrusionOk="0">
                 <a:moveTo>
                   <a:pt x="0" y="0"/>
                 </a:moveTo>
@@ -1273,23 +1436,25 @@
             </a:pathLst>
           </a:custGeom>
           <a:noFill/>
-          <a:ln cap="flat" cmpd="sng" w="9525">
+          <a:ln w="9525" cap="flat" cmpd="sng">
             <a:solidFill>
               <a:srgbClr val="000000"/>
             </a:solidFill>
             <a:prstDash val="solid"/>
             <a:round/>
-            <a:headEnd len="med" w="med" type="none"/>
-            <a:tailEnd len="med" w="med" type="none"/>
+            <a:headEnd type="none" w="med" len="med"/>
+            <a:tailEnd type="none" w="med" len="med"/>
           </a:ln>
         </p:spPr>
       </p:sp>
       <p:sp>
         <p:nvSpPr>
           <p:cNvPr id="78" name="Shape 78"/>
-          <p:cNvSpPr txBox="1"/>
+          <p:cNvSpPr txBox="1">
+            <a:spLocks noGrp="1"/>
+          </p:cNvSpPr>
           <p:nvPr>
-            <p:ph idx="1" type="body"/>
+            <p:ph type="body" idx="1"/>
           </p:nvPr>
         </p:nvSpPr>
         <p:spPr>
@@ -1302,7 +1467,7 @@
           </a:prstGeom>
         </p:spPr>
         <p:txBody>
-          <a:bodyPr anchorCtr="0" anchor="t" bIns="91425" lIns="91425" rIns="91425" tIns="91425">
+          <a:bodyPr lIns="91425" tIns="91425" rIns="91425" bIns="91425" anchor="t" anchorCtr="0">
             <a:noAutofit/>
           </a:bodyPr>
           <a:lstStyle/>
@@ -1313,9 +1478,6 @@
               </a:spcBef>
               <a:buNone/>
             </a:pPr>
-            <a:r>
-              <a:t/>
-            </a:r>
             <a:endParaRPr/>
           </a:p>
         </p:txBody>
@@ -1329,11 +1491,11 @@
 </file>
 
 <file path=ppt/slideLayouts/slideLayout1.xml><?xml version="1.0" encoding="utf-8"?>
-<p:sldLayout xmlns:a="http://schemas.openxmlformats.org/drawingml/2006/main" xmlns:r="http://schemas.openxmlformats.org/officeDocument/2006/relationships" xmlns:mc="http://schemas.openxmlformats.org/markup-compatibility/2006" xmlns:mv="urn:schemas-microsoft-com:mac:vml" xmlns:p="http://schemas.openxmlformats.org/presentationml/2006/main" xmlns:c="http://schemas.openxmlformats.org/drawingml/2006/chart" xmlns:dgm="http://schemas.openxmlformats.org/drawingml/2006/diagram" xmlns:o="urn:schemas-microsoft-com:office:office" xmlns:v="urn:schemas-microsoft-com:vml" xmlns:pvml="urn:schemas-microsoft-com:office:powerpoint" xmlns:com="http://schemas.openxmlformats.org/drawingml/2006/compatibility" xmlns:p14="http://schemas.microsoft.com/office/powerpoint/2010/main" type="title">
+<p:sldLayout xmlns:a="http://schemas.openxmlformats.org/drawingml/2006/main" xmlns:r="http://schemas.openxmlformats.org/officeDocument/2006/relationships" xmlns:p="http://schemas.openxmlformats.org/presentationml/2006/main" type="title">
   <p:cSld name="Title Slide">
     <p:spTree>
       <p:nvGrpSpPr>
-        <p:cNvPr id="7" name="Shape 7"/>
+        <p:cNvPr id="1" name="Shape 7"/>
         <p:cNvGrpSpPr/>
         <p:nvPr/>
       </p:nvGrpSpPr>
@@ -1348,7 +1510,9 @@
       <p:sp>
         <p:nvSpPr>
           <p:cNvPr id="8" name="Shape 8"/>
-          <p:cNvSpPr txBox="1"/>
+          <p:cNvSpPr txBox="1">
+            <a:spLocks noGrp="1"/>
+          </p:cNvSpPr>
           <p:nvPr>
             <p:ph type="ctrTitle"/>
           </p:nvPr>
@@ -1363,7 +1527,7 @@
           </a:prstGeom>
         </p:spPr>
         <p:txBody>
-          <a:bodyPr anchorCtr="0" anchor="b" bIns="91425" lIns="91425" rIns="91425" tIns="91425"/>
+          <a:bodyPr lIns="91425" tIns="91425" rIns="91425" bIns="91425" anchor="b" anchorCtr="0"/>
           <a:lstStyle>
             <a:lvl1pPr algn="ctr">
               <a:spcBef>
@@ -1429,15 +1593,19 @@
               <a:defRPr sz="4800"/>
             </a:lvl9pPr>
           </a:lstStyle>
-          <a:p/>
+          <a:p>
+            <a:endParaRPr/>
+          </a:p>
         </p:txBody>
       </p:sp>
       <p:sp>
         <p:nvSpPr>
           <p:cNvPr id="9" name="Shape 9"/>
-          <p:cNvSpPr txBox="1"/>
+          <p:cNvSpPr txBox="1">
+            <a:spLocks noGrp="1"/>
+          </p:cNvSpPr>
           <p:nvPr>
-            <p:ph idx="1" type="subTitle"/>
+            <p:ph type="subTitle" idx="1"/>
           </p:nvPr>
         </p:nvSpPr>
         <p:spPr>
@@ -1450,7 +1618,7 @@
           </a:prstGeom>
         </p:spPr>
         <p:txBody>
-          <a:bodyPr anchorCtr="0" anchor="t" bIns="91425" lIns="91425" rIns="91425" tIns="91425"/>
+          <a:bodyPr lIns="91425" tIns="91425" rIns="91425" bIns="91425" anchor="t" anchorCtr="0"/>
           <a:lstStyle>
             <a:lvl1pPr algn="ctr">
               <a:spcBef>
@@ -1587,7 +1755,9 @@
               </a:defRPr>
             </a:lvl9pPr>
           </a:lstStyle>
-          <a:p/>
+          <a:p>
+            <a:endParaRPr/>
+          </a:p>
         </p:txBody>
       </p:sp>
     </p:spTree>
@@ -1599,11 +1769,11 @@
 </file>
 
 <file path=ppt/slideLayouts/slideLayout2.xml><?xml version="1.0" encoding="utf-8"?>
-<p:sldLayout xmlns:a="http://schemas.openxmlformats.org/drawingml/2006/main" xmlns:r="http://schemas.openxmlformats.org/officeDocument/2006/relationships" xmlns:mc="http://schemas.openxmlformats.org/markup-compatibility/2006" xmlns:mv="urn:schemas-microsoft-com:mac:vml" xmlns:p="http://schemas.openxmlformats.org/presentationml/2006/main" xmlns:c="http://schemas.openxmlformats.org/drawingml/2006/chart" xmlns:dgm="http://schemas.openxmlformats.org/drawingml/2006/diagram" xmlns:o="urn:schemas-microsoft-com:office:office" xmlns:v="urn:schemas-microsoft-com:vml" xmlns:pvml="urn:schemas-microsoft-com:office:powerpoint" xmlns:com="http://schemas.openxmlformats.org/drawingml/2006/compatibility" xmlns:p14="http://schemas.microsoft.com/office/powerpoint/2010/main" type="tx">
+<p:sldLayout xmlns:a="http://schemas.openxmlformats.org/drawingml/2006/main" xmlns:r="http://schemas.openxmlformats.org/officeDocument/2006/relationships" xmlns:p="http://schemas.openxmlformats.org/presentationml/2006/main" type="tx">
   <p:cSld name="Title and Body">
     <p:spTree>
       <p:nvGrpSpPr>
-        <p:cNvPr id="10" name="Shape 10"/>
+        <p:cNvPr id="1" name="Shape 10"/>
         <p:cNvGrpSpPr/>
         <p:nvPr/>
       </p:nvGrpSpPr>
@@ -1618,7 +1788,9 @@
       <p:sp>
         <p:nvSpPr>
           <p:cNvPr id="11" name="Shape 11"/>
-          <p:cNvSpPr txBox="1"/>
+          <p:cNvSpPr txBox="1">
+            <a:spLocks noGrp="1"/>
+          </p:cNvSpPr>
           <p:nvPr>
             <p:ph type="title"/>
           </p:nvPr>
@@ -1633,7 +1805,7 @@
           </a:prstGeom>
         </p:spPr>
         <p:txBody>
-          <a:bodyPr anchorCtr="0" anchor="b" bIns="91425" lIns="91425" rIns="91425" tIns="91425"/>
+          <a:bodyPr lIns="91425" tIns="91425" rIns="91425" bIns="91425" anchor="b" anchorCtr="0"/>
           <a:lstStyle>
             <a:lvl1pPr>
               <a:spcBef>
@@ -1690,15 +1862,19 @@
               <a:defRPr/>
             </a:lvl9pPr>
           </a:lstStyle>
-          <a:p/>
+          <a:p>
+            <a:endParaRPr/>
+          </a:p>
         </p:txBody>
       </p:sp>
       <p:sp>
         <p:nvSpPr>
           <p:cNvPr id="12" name="Shape 12"/>
-          <p:cNvSpPr txBox="1"/>
+          <p:cNvSpPr txBox="1">
+            <a:spLocks noGrp="1"/>
+          </p:cNvSpPr>
           <p:nvPr>
-            <p:ph idx="1" type="body"/>
+            <p:ph type="body" idx="1"/>
           </p:nvPr>
         </p:nvSpPr>
         <p:spPr>
@@ -1711,7 +1887,7 @@
           </a:prstGeom>
         </p:spPr>
         <p:txBody>
-          <a:bodyPr anchorCtr="0" anchor="t" bIns="91425" lIns="91425" rIns="91425" tIns="91425"/>
+          <a:bodyPr lIns="91425" tIns="91425" rIns="91425" bIns="91425" anchor="t" anchorCtr="0"/>
           <a:lstStyle>
             <a:lvl1pPr>
               <a:spcBef>
@@ -1768,7 +1944,9 @@
               <a:defRPr/>
             </a:lvl9pPr>
           </a:lstStyle>
-          <a:p/>
+          <a:p>
+            <a:endParaRPr/>
+          </a:p>
         </p:txBody>
       </p:sp>
     </p:spTree>
@@ -1780,11 +1958,11 @@
 </file>
 
 <file path=ppt/slideLayouts/slideLayout3.xml><?xml version="1.0" encoding="utf-8"?>
-<p:sldLayout xmlns:a="http://schemas.openxmlformats.org/drawingml/2006/main" xmlns:r="http://schemas.openxmlformats.org/officeDocument/2006/relationships" xmlns:mc="http://schemas.openxmlformats.org/markup-compatibility/2006" xmlns:mv="urn:schemas-microsoft-com:mac:vml" xmlns:p="http://schemas.openxmlformats.org/presentationml/2006/main" xmlns:c="http://schemas.openxmlformats.org/drawingml/2006/chart" xmlns:dgm="http://schemas.openxmlformats.org/drawingml/2006/diagram" xmlns:o="urn:schemas-microsoft-com:office:office" xmlns:v="urn:schemas-microsoft-com:vml" xmlns:pvml="urn:schemas-microsoft-com:office:powerpoint" xmlns:com="http://schemas.openxmlformats.org/drawingml/2006/compatibility" xmlns:p14="http://schemas.microsoft.com/office/powerpoint/2010/main" type="twoColTx">
+<p:sldLayout xmlns:a="http://schemas.openxmlformats.org/drawingml/2006/main" xmlns:r="http://schemas.openxmlformats.org/officeDocument/2006/relationships" xmlns:p="http://schemas.openxmlformats.org/presentationml/2006/main" type="twoColTx">
   <p:cSld name="Title and Two Columns">
     <p:spTree>
       <p:nvGrpSpPr>
-        <p:cNvPr id="13" name="Shape 13"/>
+        <p:cNvPr id="1" name="Shape 13"/>
         <p:cNvGrpSpPr/>
         <p:nvPr/>
       </p:nvGrpSpPr>
@@ -1799,7 +1977,9 @@
       <p:sp>
         <p:nvSpPr>
           <p:cNvPr id="14" name="Shape 14"/>
-          <p:cNvSpPr txBox="1"/>
+          <p:cNvSpPr txBox="1">
+            <a:spLocks noGrp="1"/>
+          </p:cNvSpPr>
           <p:nvPr>
             <p:ph type="title"/>
           </p:nvPr>
@@ -1814,7 +1994,7 @@
           </a:prstGeom>
         </p:spPr>
         <p:txBody>
-          <a:bodyPr anchorCtr="0" anchor="b" bIns="91425" lIns="91425" rIns="91425" tIns="91425"/>
+          <a:bodyPr lIns="91425" tIns="91425" rIns="91425" bIns="91425" anchor="b" anchorCtr="0"/>
           <a:lstStyle>
             <a:lvl1pPr>
               <a:spcBef>
@@ -1871,15 +2051,19 @@
               <a:defRPr/>
             </a:lvl9pPr>
           </a:lstStyle>
-          <a:p/>
+          <a:p>
+            <a:endParaRPr/>
+          </a:p>
         </p:txBody>
       </p:sp>
       <p:sp>
         <p:nvSpPr>
           <p:cNvPr id="15" name="Shape 15"/>
-          <p:cNvSpPr txBox="1"/>
+          <p:cNvSpPr txBox="1">
+            <a:spLocks noGrp="1"/>
+          </p:cNvSpPr>
           <p:nvPr>
-            <p:ph idx="1" type="body"/>
+            <p:ph type="body" idx="1"/>
           </p:nvPr>
         </p:nvSpPr>
         <p:spPr>
@@ -1892,7 +2076,7 @@
           </a:prstGeom>
         </p:spPr>
         <p:txBody>
-          <a:bodyPr anchorCtr="0" anchor="t" bIns="91425" lIns="91425" rIns="91425" tIns="91425"/>
+          <a:bodyPr lIns="91425" tIns="91425" rIns="91425" bIns="91425" anchor="t" anchorCtr="0"/>
           <a:lstStyle>
             <a:lvl1pPr>
               <a:spcBef>
@@ -1949,15 +2133,19 @@
               <a:defRPr/>
             </a:lvl9pPr>
           </a:lstStyle>
-          <a:p/>
+          <a:p>
+            <a:endParaRPr/>
+          </a:p>
         </p:txBody>
       </p:sp>
       <p:sp>
         <p:nvSpPr>
           <p:cNvPr id="16" name="Shape 16"/>
-          <p:cNvSpPr txBox="1"/>
+          <p:cNvSpPr txBox="1">
+            <a:spLocks noGrp="1"/>
+          </p:cNvSpPr>
           <p:nvPr>
-            <p:ph idx="2" type="body"/>
+            <p:ph type="body" idx="2"/>
           </p:nvPr>
         </p:nvSpPr>
         <p:spPr>
@@ -1970,7 +2158,7 @@
           </a:prstGeom>
         </p:spPr>
         <p:txBody>
-          <a:bodyPr anchorCtr="0" anchor="t" bIns="91425" lIns="91425" rIns="91425" tIns="91425"/>
+          <a:bodyPr lIns="91425" tIns="91425" rIns="91425" bIns="91425" anchor="t" anchorCtr="0"/>
           <a:lstStyle>
             <a:lvl1pPr>
               <a:spcBef>
@@ -2027,7 +2215,9 @@
               <a:defRPr/>
             </a:lvl9pPr>
           </a:lstStyle>
-          <a:p/>
+          <a:p>
+            <a:endParaRPr/>
+          </a:p>
         </p:txBody>
       </p:sp>
     </p:spTree>
@@ -2039,11 +2229,11 @@
 </file>
 
 <file path=ppt/slideLayouts/slideLayout4.xml><?xml version="1.0" encoding="utf-8"?>
-<p:sldLayout xmlns:a="http://schemas.openxmlformats.org/drawingml/2006/main" xmlns:r="http://schemas.openxmlformats.org/officeDocument/2006/relationships" xmlns:mc="http://schemas.openxmlformats.org/markup-compatibility/2006" xmlns:mv="urn:schemas-microsoft-com:mac:vml" xmlns:p="http://schemas.openxmlformats.org/presentationml/2006/main" xmlns:c="http://schemas.openxmlformats.org/drawingml/2006/chart" xmlns:dgm="http://schemas.openxmlformats.org/drawingml/2006/diagram" xmlns:o="urn:schemas-microsoft-com:office:office" xmlns:v="urn:schemas-microsoft-com:vml" xmlns:pvml="urn:schemas-microsoft-com:office:powerpoint" xmlns:com="http://schemas.openxmlformats.org/drawingml/2006/compatibility" xmlns:p14="http://schemas.microsoft.com/office/powerpoint/2010/main" type="titleOnly">
+<p:sldLayout xmlns:a="http://schemas.openxmlformats.org/drawingml/2006/main" xmlns:r="http://schemas.openxmlformats.org/officeDocument/2006/relationships" xmlns:p="http://schemas.openxmlformats.org/presentationml/2006/main" type="titleOnly">
   <p:cSld name="Title Only">
     <p:spTree>
       <p:nvGrpSpPr>
-        <p:cNvPr id="17" name="Shape 17"/>
+        <p:cNvPr id="1" name="Shape 17"/>
         <p:cNvGrpSpPr/>
         <p:nvPr/>
       </p:nvGrpSpPr>
@@ -2058,7 +2248,9 @@
       <p:sp>
         <p:nvSpPr>
           <p:cNvPr id="18" name="Shape 18"/>
-          <p:cNvSpPr txBox="1"/>
+          <p:cNvSpPr txBox="1">
+            <a:spLocks noGrp="1"/>
+          </p:cNvSpPr>
           <p:nvPr>
             <p:ph type="title"/>
           </p:nvPr>
@@ -2073,7 +2265,7 @@
           </a:prstGeom>
         </p:spPr>
         <p:txBody>
-          <a:bodyPr anchorCtr="0" anchor="b" bIns="91425" lIns="91425" rIns="91425" tIns="91425"/>
+          <a:bodyPr lIns="91425" tIns="91425" rIns="91425" bIns="91425" anchor="b" anchorCtr="0"/>
           <a:lstStyle>
             <a:lvl1pPr>
               <a:spcBef>
@@ -2130,7 +2322,9 @@
               <a:defRPr/>
             </a:lvl9pPr>
           </a:lstStyle>
-          <a:p/>
+          <a:p>
+            <a:endParaRPr/>
+          </a:p>
         </p:txBody>
       </p:sp>
     </p:spTree>
@@ -2142,11 +2336,11 @@
 </file>
 
 <file path=ppt/slideLayouts/slideLayout5.xml><?xml version="1.0" encoding="utf-8"?>
-<p:sldLayout xmlns:a="http://schemas.openxmlformats.org/drawingml/2006/main" xmlns:r="http://schemas.openxmlformats.org/officeDocument/2006/relationships" xmlns:mc="http://schemas.openxmlformats.org/markup-compatibility/2006" xmlns:mv="urn:schemas-microsoft-com:mac:vml" xmlns:p="http://schemas.openxmlformats.org/presentationml/2006/main" xmlns:c="http://schemas.openxmlformats.org/drawingml/2006/chart" xmlns:dgm="http://schemas.openxmlformats.org/drawingml/2006/diagram" xmlns:o="urn:schemas-microsoft-com:office:office" xmlns:v="urn:schemas-microsoft-com:vml" xmlns:pvml="urn:schemas-microsoft-com:office:powerpoint" xmlns:com="http://schemas.openxmlformats.org/drawingml/2006/compatibility" xmlns:p14="http://schemas.microsoft.com/office/powerpoint/2010/main">
+<p:sldLayout xmlns:a="http://schemas.openxmlformats.org/drawingml/2006/main" xmlns:r="http://schemas.openxmlformats.org/officeDocument/2006/relationships" xmlns:p="http://schemas.openxmlformats.org/presentationml/2006/main">
   <p:cSld name="Caption">
     <p:spTree>
       <p:nvGrpSpPr>
-        <p:cNvPr id="19" name="Shape 19"/>
+        <p:cNvPr id="1" name="Shape 19"/>
         <p:cNvGrpSpPr/>
         <p:nvPr/>
       </p:nvGrpSpPr>
@@ -2161,9 +2355,11 @@
       <p:sp>
         <p:nvSpPr>
           <p:cNvPr id="20" name="Shape 20"/>
-          <p:cNvSpPr txBox="1"/>
+          <p:cNvSpPr txBox="1">
+            <a:spLocks noGrp="1"/>
+          </p:cNvSpPr>
           <p:nvPr>
-            <p:ph idx="1" type="body"/>
+            <p:ph type="body" idx="1"/>
           </p:nvPr>
         </p:nvSpPr>
         <p:spPr>
@@ -2176,7 +2372,7 @@
           </a:prstGeom>
         </p:spPr>
         <p:txBody>
-          <a:bodyPr anchorCtr="0" anchor="t" bIns="91425" lIns="91425" rIns="91425" tIns="91425"/>
+          <a:bodyPr lIns="91425" tIns="91425" rIns="91425" bIns="91425" anchor="t" anchorCtr="0"/>
           <a:lstStyle>
             <a:lvl1pPr algn="ctr">
               <a:spcBef>
@@ -2187,7 +2383,9 @@
               <a:defRPr sz="1800"/>
             </a:lvl1pPr>
           </a:lstStyle>
-          <a:p/>
+          <a:p>
+            <a:endParaRPr/>
+          </a:p>
         </p:txBody>
       </p:sp>
     </p:spTree>
@@ -2199,11 +2397,11 @@
 </file>
 
 <file path=ppt/slideLayouts/slideLayout6.xml><?xml version="1.0" encoding="utf-8"?>
-<p:sldLayout xmlns:a="http://schemas.openxmlformats.org/drawingml/2006/main" xmlns:r="http://schemas.openxmlformats.org/officeDocument/2006/relationships" xmlns:mc="http://schemas.openxmlformats.org/markup-compatibility/2006" xmlns:mv="urn:schemas-microsoft-com:mac:vml" xmlns:p="http://schemas.openxmlformats.org/presentationml/2006/main" xmlns:c="http://schemas.openxmlformats.org/drawingml/2006/chart" xmlns:dgm="http://schemas.openxmlformats.org/drawingml/2006/diagram" xmlns:o="urn:schemas-microsoft-com:office:office" xmlns:v="urn:schemas-microsoft-com:vml" xmlns:pvml="urn:schemas-microsoft-com:office:powerpoint" xmlns:com="http://schemas.openxmlformats.org/drawingml/2006/compatibility" xmlns:p14="http://schemas.microsoft.com/office/powerpoint/2010/main" type="blank">
+<p:sldLayout xmlns:a="http://schemas.openxmlformats.org/drawingml/2006/main" xmlns:r="http://schemas.openxmlformats.org/officeDocument/2006/relationships" xmlns:p="http://schemas.openxmlformats.org/presentationml/2006/main" type="blank">
   <p:cSld name="Blank">
     <p:spTree>
       <p:nvGrpSpPr>
-        <p:cNvPr id="21" name="Shape 21"/>
+        <p:cNvPr id="1" name="Shape 21"/>
         <p:cNvGrpSpPr/>
         <p:nvPr/>
       </p:nvGrpSpPr>
@@ -2224,18 +2422,19 @@
 </file>
 
 <file path=ppt/slideMasters/slideMaster1.xml><?xml version="1.0" encoding="utf-8"?>
-<p:sldMaster xmlns:a="http://schemas.openxmlformats.org/drawingml/2006/main" xmlns:r="http://schemas.openxmlformats.org/officeDocument/2006/relationships" xmlns:mc="http://schemas.openxmlformats.org/markup-compatibility/2006" xmlns:mv="urn:schemas-microsoft-com:mac:vml" xmlns:p="http://schemas.openxmlformats.org/presentationml/2006/main" xmlns:c="http://schemas.openxmlformats.org/drawingml/2006/chart" xmlns:dgm="http://schemas.openxmlformats.org/drawingml/2006/diagram" xmlns:o="urn:schemas-microsoft-com:office:office" xmlns:v="urn:schemas-microsoft-com:vml" xmlns:pvml="urn:schemas-microsoft-com:office:powerpoint" xmlns:com="http://schemas.openxmlformats.org/drawingml/2006/compatibility" xmlns:p14="http://schemas.microsoft.com/office/powerpoint/2010/main">
+<p:sldMaster xmlns:a="http://schemas.openxmlformats.org/drawingml/2006/main" xmlns:r="http://schemas.openxmlformats.org/officeDocument/2006/relationships" xmlns:p="http://schemas.openxmlformats.org/presentationml/2006/main">
   <p:cSld>
     <p:bg>
       <p:bgPr>
         <a:solidFill>
           <a:schemeClr val="lt1"/>
         </a:solidFill>
+        <a:effectLst/>
       </p:bgPr>
     </p:bg>
     <p:spTree>
       <p:nvGrpSpPr>
-        <p:cNvPr id="4" name="Shape 4"/>
+        <p:cNvPr id="1" name="Shape 4"/>
         <p:cNvGrpSpPr/>
         <p:nvPr/>
       </p:nvGrpSpPr>
@@ -2250,7 +2449,9 @@
       <p:sp>
         <p:nvSpPr>
           <p:cNvPr id="5" name="Shape 5"/>
-          <p:cNvSpPr txBox="1"/>
+          <p:cNvSpPr txBox="1">
+            <a:spLocks noGrp="1"/>
+          </p:cNvSpPr>
           <p:nvPr>
             <p:ph type="title"/>
           </p:nvPr>
@@ -2269,7 +2470,7 @@
           </a:ln>
         </p:spPr>
         <p:txBody>
-          <a:bodyPr anchorCtr="0" anchor="b" bIns="91425" lIns="91425" rIns="91425" tIns="91425"/>
+          <a:bodyPr lIns="91425" tIns="91425" rIns="91425" bIns="91425" anchor="b" anchorCtr="0"/>
           <a:lstStyle>
             <a:lvl1pPr>
               <a:spcBef>
@@ -2280,7 +2481,7 @@
               </a:buClr>
               <a:buSzPct val="100000"/>
               <a:buNone/>
-              <a:defRPr b="1" sz="3600">
+              <a:defRPr sz="3600" b="1">
                 <a:solidFill>
                   <a:schemeClr val="dk1"/>
                 </a:solidFill>
@@ -2295,7 +2496,7 @@
               </a:buClr>
               <a:buSzPct val="100000"/>
               <a:buNone/>
-              <a:defRPr b="1" sz="3600">
+              <a:defRPr sz="3600" b="1">
                 <a:solidFill>
                   <a:schemeClr val="dk1"/>
                 </a:solidFill>
@@ -2310,7 +2511,7 @@
               </a:buClr>
               <a:buSzPct val="100000"/>
               <a:buNone/>
-              <a:defRPr b="1" sz="3600">
+              <a:defRPr sz="3600" b="1">
                 <a:solidFill>
                   <a:schemeClr val="dk1"/>
                 </a:solidFill>
@@ -2325,7 +2526,7 @@
               </a:buClr>
               <a:buSzPct val="100000"/>
               <a:buNone/>
-              <a:defRPr b="1" sz="3600">
+              <a:defRPr sz="3600" b="1">
                 <a:solidFill>
                   <a:schemeClr val="dk1"/>
                 </a:solidFill>
@@ -2340,7 +2541,7 @@
               </a:buClr>
               <a:buSzPct val="100000"/>
               <a:buNone/>
-              <a:defRPr b="1" sz="3600">
+              <a:defRPr sz="3600" b="1">
                 <a:solidFill>
                   <a:schemeClr val="dk1"/>
                 </a:solidFill>
@@ -2355,7 +2556,7 @@
               </a:buClr>
               <a:buSzPct val="100000"/>
               <a:buNone/>
-              <a:defRPr b="1" sz="3600">
+              <a:defRPr sz="3600" b="1">
                 <a:solidFill>
                   <a:schemeClr val="dk1"/>
                 </a:solidFill>
@@ -2370,7 +2571,7 @@
               </a:buClr>
               <a:buSzPct val="100000"/>
               <a:buNone/>
-              <a:defRPr b="1" sz="3600">
+              <a:defRPr sz="3600" b="1">
                 <a:solidFill>
                   <a:schemeClr val="dk1"/>
                 </a:solidFill>
@@ -2385,7 +2586,7 @@
               </a:buClr>
               <a:buSzPct val="100000"/>
               <a:buNone/>
-              <a:defRPr b="1" sz="3600">
+              <a:defRPr sz="3600" b="1">
                 <a:solidFill>
                   <a:schemeClr val="dk1"/>
                 </a:solidFill>
@@ -2400,22 +2601,26 @@
               </a:buClr>
               <a:buSzPct val="100000"/>
               <a:buNone/>
-              <a:defRPr b="1" sz="3600">
+              <a:defRPr sz="3600" b="1">
                 <a:solidFill>
                   <a:schemeClr val="dk1"/>
                 </a:solidFill>
               </a:defRPr>
             </a:lvl9pPr>
           </a:lstStyle>
-          <a:p/>
+          <a:p>
+            <a:endParaRPr/>
+          </a:p>
         </p:txBody>
       </p:sp>
       <p:sp>
         <p:nvSpPr>
           <p:cNvPr id="6" name="Shape 6"/>
-          <p:cNvSpPr txBox="1"/>
+          <p:cNvSpPr txBox="1">
+            <a:spLocks noGrp="1"/>
+          </p:cNvSpPr>
           <p:nvPr>
-            <p:ph idx="1" type="body"/>
+            <p:ph type="body" idx="1"/>
           </p:nvPr>
         </p:nvSpPr>
         <p:spPr>
@@ -2432,7 +2637,7 @@
           </a:ln>
         </p:spPr>
         <p:txBody>
-          <a:bodyPr anchorCtr="0" anchor="t" bIns="91425" lIns="91425" rIns="91425" tIns="91425"/>
+          <a:bodyPr lIns="91425" tIns="91425" rIns="91425" bIns="91425" anchor="t" anchorCtr="0"/>
           <a:lstStyle>
             <a:lvl1pPr>
               <a:spcBef>
@@ -2561,12 +2766,14 @@
               </a:defRPr>
             </a:lvl9pPr>
           </a:lstStyle>
-          <a:p/>
+          <a:p>
+            <a:endParaRPr/>
+          </a:p>
         </p:txBody>
       </p:sp>
     </p:spTree>
   </p:cSld>
-  <p:clrMap accent1="accent1" accent2="accent2" accent3="accent3" accent4="accent4" accent5="accent5" accent6="accent6" bg1="lt1" bg2="dk2" tx1="dk1" tx2="lt2" folHlink="folHlink" hlink="hlink"/>
+  <p:clrMap bg1="lt1" tx1="dk1" bg2="dk2" tx2="lt2" accent1="accent1" accent2="accent2" accent3="accent3" accent4="accent4" accent5="accent5" accent6="accent6" hlink="hlink" folHlink="folHlink"/>
   <p:sldLayoutIdLst>
     <p:sldLayoutId id="2147483648" r:id="rId1"/>
     <p:sldLayoutId id="2147483649" r:id="rId2"/>
@@ -2575,10 +2782,10 @@
     <p:sldLayoutId id="2147483652" r:id="rId5"/>
     <p:sldLayoutId id="2147483653" r:id="rId6"/>
   </p:sldLayoutIdLst>
-  <p:hf dt="0" ftr="0" hdr="0" sldNum="0"/>
+  <p:hf sldNum="0" hdr="0" ftr="0" dt="0"/>
   <p:txStyles>
     <p:titleStyle>
-      <a:defPPr marR="0" rtl="0" algn="l">
+      <a:defPPr marR="0" algn="l" rtl="0">
         <a:lnSpc>
           <a:spcPct val="100000"/>
         </a:lnSpc>
@@ -2589,7 +2796,7 @@
           <a:spcPts val="0"/>
         </a:spcAft>
       </a:defPPr>
-      <a:lvl1pPr marR="0" rtl="0" algn="l">
+      <a:lvl1pPr marR="0" algn="l" rtl="0">
         <a:lnSpc>
           <a:spcPct val="100000"/>
         </a:lnSpc>
@@ -2600,7 +2807,7 @@
           <a:spcPts val="0"/>
         </a:spcAft>
         <a:buNone/>
-        <a:defRPr b="0" baseline="0" i="0" sz="1400" u="none" cap="none" strike="noStrike">
+        <a:defRPr sz="1400" b="0" i="0" u="none" strike="noStrike" cap="none" baseline="0">
           <a:solidFill>
             <a:srgbClr val="000000"/>
           </a:solidFill>
@@ -2613,7 +2820,7 @@
       </a:lvl1pPr>
     </p:titleStyle>
     <p:bodyStyle>
-      <a:defPPr marR="0" rtl="0" algn="l">
+      <a:defPPr marR="0" algn="l" rtl="0">
         <a:lnSpc>
           <a:spcPct val="100000"/>
         </a:lnSpc>
@@ -2624,7 +2831,7 @@
           <a:spcPts val="0"/>
         </a:spcAft>
       </a:defPPr>
-      <a:lvl1pPr marR="0" rtl="0" algn="l">
+      <a:lvl1pPr marR="0" algn="l" rtl="0">
         <a:lnSpc>
           <a:spcPct val="100000"/>
         </a:lnSpc>
@@ -2635,7 +2842,7 @@
           <a:spcPts val="0"/>
         </a:spcAft>
         <a:buNone/>
-        <a:defRPr b="0" baseline="0" i="0" sz="1400" u="none" cap="none" strike="noStrike">
+        <a:defRPr sz="1400" b="0" i="0" u="none" strike="noStrike" cap="none" baseline="0">
           <a:solidFill>
             <a:srgbClr val="000000"/>
           </a:solidFill>
@@ -2646,7 +2853,7 @@
           <a:rtl val="0"/>
         </a:defRPr>
       </a:lvl1pPr>
-      <a:lvl2pPr marR="0" rtl="0" algn="l">
+      <a:lvl2pPr marR="0" algn="l" rtl="0">
         <a:lnSpc>
           <a:spcPct val="100000"/>
         </a:lnSpc>
@@ -2657,7 +2864,7 @@
           <a:spcPts val="0"/>
         </a:spcAft>
         <a:buNone/>
-        <a:defRPr b="0" baseline="0" i="0" sz="1400" u="none" cap="none" strike="noStrike">
+        <a:defRPr sz="1400" b="0" i="0" u="none" strike="noStrike" cap="none" baseline="0">
           <a:solidFill>
             <a:srgbClr val="000000"/>
           </a:solidFill>
@@ -2668,7 +2875,7 @@
           <a:rtl val="0"/>
         </a:defRPr>
       </a:lvl2pPr>
-      <a:lvl3pPr marR="0" rtl="0" algn="l">
+      <a:lvl3pPr marR="0" algn="l" rtl="0">
         <a:lnSpc>
           <a:spcPct val="100000"/>
         </a:lnSpc>
@@ -2679,7 +2886,7 @@
           <a:spcPts val="0"/>
         </a:spcAft>
         <a:buNone/>
-        <a:defRPr b="0" baseline="0" i="0" sz="1400" u="none" cap="none" strike="noStrike">
+        <a:defRPr sz="1400" b="0" i="0" u="none" strike="noStrike" cap="none" baseline="0">
           <a:solidFill>
             <a:srgbClr val="000000"/>
           </a:solidFill>
@@ -2690,7 +2897,7 @@
           <a:rtl val="0"/>
         </a:defRPr>
       </a:lvl3pPr>
-      <a:lvl4pPr marR="0" rtl="0" algn="l">
+      <a:lvl4pPr marR="0" algn="l" rtl="0">
         <a:lnSpc>
           <a:spcPct val="100000"/>
         </a:lnSpc>
@@ -2701,7 +2908,7 @@
           <a:spcPts val="0"/>
         </a:spcAft>
         <a:buNone/>
-        <a:defRPr b="0" baseline="0" i="0" sz="1400" u="none" cap="none" strike="noStrike">
+        <a:defRPr sz="1400" b="0" i="0" u="none" strike="noStrike" cap="none" baseline="0">
           <a:solidFill>
             <a:srgbClr val="000000"/>
           </a:solidFill>
@@ -2712,7 +2919,7 @@
           <a:rtl val="0"/>
         </a:defRPr>
       </a:lvl4pPr>
-      <a:lvl5pPr marR="0" rtl="0" algn="l">
+      <a:lvl5pPr marR="0" algn="l" rtl="0">
         <a:lnSpc>
           <a:spcPct val="100000"/>
         </a:lnSpc>
@@ -2723,7 +2930,7 @@
           <a:spcPts val="0"/>
         </a:spcAft>
         <a:buNone/>
-        <a:defRPr b="0" baseline="0" i="0" sz="1400" u="none" cap="none" strike="noStrike">
+        <a:defRPr sz="1400" b="0" i="0" u="none" strike="noStrike" cap="none" baseline="0">
           <a:solidFill>
             <a:srgbClr val="000000"/>
           </a:solidFill>
@@ -2734,7 +2941,7 @@
           <a:rtl val="0"/>
         </a:defRPr>
       </a:lvl5pPr>
-      <a:lvl6pPr marR="0" rtl="0" algn="l">
+      <a:lvl6pPr marR="0" algn="l" rtl="0">
         <a:lnSpc>
           <a:spcPct val="100000"/>
         </a:lnSpc>
@@ -2745,7 +2952,7 @@
           <a:spcPts val="0"/>
         </a:spcAft>
         <a:buNone/>
-        <a:defRPr b="0" baseline="0" i="0" sz="1400" u="none" cap="none" strike="noStrike">
+        <a:defRPr sz="1400" b="0" i="0" u="none" strike="noStrike" cap="none" baseline="0">
           <a:solidFill>
             <a:srgbClr val="000000"/>
           </a:solidFill>
@@ -2756,7 +2963,7 @@
           <a:rtl val="0"/>
         </a:defRPr>
       </a:lvl6pPr>
-      <a:lvl7pPr marR="0" rtl="0" algn="l">
+      <a:lvl7pPr marR="0" algn="l" rtl="0">
         <a:lnSpc>
           <a:spcPct val="100000"/>
         </a:lnSpc>
@@ -2767,7 +2974,7 @@
           <a:spcPts val="0"/>
         </a:spcAft>
         <a:buNone/>
-        <a:defRPr b="0" baseline="0" i="0" sz="1400" u="none" cap="none" strike="noStrike">
+        <a:defRPr sz="1400" b="0" i="0" u="none" strike="noStrike" cap="none" baseline="0">
           <a:solidFill>
             <a:srgbClr val="000000"/>
           </a:solidFill>
@@ -2778,7 +2985,7 @@
           <a:rtl val="0"/>
         </a:defRPr>
       </a:lvl7pPr>
-      <a:lvl8pPr marR="0" rtl="0" algn="l">
+      <a:lvl8pPr marR="0" algn="l" rtl="0">
         <a:lnSpc>
           <a:spcPct val="100000"/>
         </a:lnSpc>
@@ -2789,7 +2996,7 @@
           <a:spcPts val="0"/>
         </a:spcAft>
         <a:buNone/>
-        <a:defRPr b="0" baseline="0" i="0" sz="1400" u="none" cap="none" strike="noStrike">
+        <a:defRPr sz="1400" b="0" i="0" u="none" strike="noStrike" cap="none" baseline="0">
           <a:solidFill>
             <a:srgbClr val="000000"/>
           </a:solidFill>
@@ -2800,7 +3007,7 @@
           <a:rtl val="0"/>
         </a:defRPr>
       </a:lvl8pPr>
-      <a:lvl9pPr marR="0" rtl="0" algn="l">
+      <a:lvl9pPr marR="0" algn="l" rtl="0">
         <a:lnSpc>
           <a:spcPct val="100000"/>
         </a:lnSpc>
@@ -2811,7 +3018,7 @@
           <a:spcPts val="0"/>
         </a:spcAft>
         <a:buNone/>
-        <a:defRPr b="0" baseline="0" i="0" sz="1400" u="none" cap="none" strike="noStrike">
+        <a:defRPr sz="1400" b="0" i="0" u="none" strike="noStrike" cap="none" baseline="0">
           <a:solidFill>
             <a:srgbClr val="000000"/>
           </a:solidFill>
@@ -2824,7 +3031,7 @@
       </a:lvl9pPr>
     </p:bodyStyle>
     <p:otherStyle>
-      <a:defPPr marR="0" rtl="0" algn="l">
+      <a:defPPr marR="0" algn="l" rtl="0">
         <a:lnSpc>
           <a:spcPct val="100000"/>
         </a:lnSpc>
@@ -2835,7 +3042,7 @@
           <a:spcPts val="0"/>
         </a:spcAft>
       </a:defPPr>
-      <a:lvl1pPr marR="0" rtl="0" algn="l">
+      <a:lvl1pPr marR="0" algn="l" rtl="0">
         <a:lnSpc>
           <a:spcPct val="100000"/>
         </a:lnSpc>
@@ -2846,7 +3053,7 @@
           <a:spcPts val="0"/>
         </a:spcAft>
         <a:buNone/>
-        <a:defRPr b="0" baseline="0" i="0" sz="1400" u="none" cap="none" strike="noStrike">
+        <a:defRPr sz="1400" b="0" i="0" u="none" strike="noStrike" cap="none" baseline="0">
           <a:solidFill>
             <a:srgbClr val="000000"/>
           </a:solidFill>
@@ -2857,7 +3064,7 @@
           <a:rtl val="0"/>
         </a:defRPr>
       </a:lvl1pPr>
-      <a:lvl2pPr marR="0" rtl="0" algn="l">
+      <a:lvl2pPr marR="0" algn="l" rtl="0">
         <a:lnSpc>
           <a:spcPct val="100000"/>
         </a:lnSpc>
@@ -2868,7 +3075,7 @@
           <a:spcPts val="0"/>
         </a:spcAft>
         <a:buNone/>
-        <a:defRPr b="0" baseline="0" i="0" sz="1400" u="none" cap="none" strike="noStrike">
+        <a:defRPr sz="1400" b="0" i="0" u="none" strike="noStrike" cap="none" baseline="0">
           <a:solidFill>
             <a:srgbClr val="000000"/>
           </a:solidFill>
@@ -2879,7 +3086,7 @@
           <a:rtl val="0"/>
         </a:defRPr>
       </a:lvl2pPr>
-      <a:lvl3pPr marR="0" rtl="0" algn="l">
+      <a:lvl3pPr marR="0" algn="l" rtl="0">
         <a:lnSpc>
           <a:spcPct val="100000"/>
         </a:lnSpc>
@@ -2890,7 +3097,7 @@
           <a:spcPts val="0"/>
         </a:spcAft>
         <a:buNone/>
-        <a:defRPr b="0" baseline="0" i="0" sz="1400" u="none" cap="none" strike="noStrike">
+        <a:defRPr sz="1400" b="0" i="0" u="none" strike="noStrike" cap="none" baseline="0">
           <a:solidFill>
             <a:srgbClr val="000000"/>
           </a:solidFill>
@@ -2901,7 +3108,7 @@
           <a:rtl val="0"/>
         </a:defRPr>
       </a:lvl3pPr>
-      <a:lvl4pPr marR="0" rtl="0" algn="l">
+      <a:lvl4pPr marR="0" algn="l" rtl="0">
         <a:lnSpc>
           <a:spcPct val="100000"/>
         </a:lnSpc>
@@ -2912,7 +3119,7 @@
           <a:spcPts val="0"/>
         </a:spcAft>
         <a:buNone/>
-        <a:defRPr b="0" baseline="0" i="0" sz="1400" u="none" cap="none" strike="noStrike">
+        <a:defRPr sz="1400" b="0" i="0" u="none" strike="noStrike" cap="none" baseline="0">
           <a:solidFill>
             <a:srgbClr val="000000"/>
           </a:solidFill>
@@ -2923,7 +3130,7 @@
           <a:rtl val="0"/>
         </a:defRPr>
       </a:lvl4pPr>
-      <a:lvl5pPr marR="0" rtl="0" algn="l">
+      <a:lvl5pPr marR="0" algn="l" rtl="0">
         <a:lnSpc>
           <a:spcPct val="100000"/>
         </a:lnSpc>
@@ -2934,7 +3141,7 @@
           <a:spcPts val="0"/>
         </a:spcAft>
         <a:buNone/>
-        <a:defRPr b="0" baseline="0" i="0" sz="1400" u="none" cap="none" strike="noStrike">
+        <a:defRPr sz="1400" b="0" i="0" u="none" strike="noStrike" cap="none" baseline="0">
           <a:solidFill>
             <a:srgbClr val="000000"/>
           </a:solidFill>
@@ -2945,7 +3152,7 @@
           <a:rtl val="0"/>
         </a:defRPr>
       </a:lvl5pPr>
-      <a:lvl6pPr marR="0" rtl="0" algn="l">
+      <a:lvl6pPr marR="0" algn="l" rtl="0">
         <a:lnSpc>
           <a:spcPct val="100000"/>
         </a:lnSpc>
@@ -2956,7 +3163,7 @@
           <a:spcPts val="0"/>
         </a:spcAft>
         <a:buNone/>
-        <a:defRPr b="0" baseline="0" i="0" sz="1400" u="none" cap="none" strike="noStrike">
+        <a:defRPr sz="1400" b="0" i="0" u="none" strike="noStrike" cap="none" baseline="0">
           <a:solidFill>
             <a:srgbClr val="000000"/>
           </a:solidFill>
@@ -2967,7 +3174,7 @@
           <a:rtl val="0"/>
         </a:defRPr>
       </a:lvl6pPr>
-      <a:lvl7pPr marR="0" rtl="0" algn="l">
+      <a:lvl7pPr marR="0" algn="l" rtl="0">
         <a:lnSpc>
           <a:spcPct val="100000"/>
         </a:lnSpc>
@@ -2978,7 +3185,7 @@
           <a:spcPts val="0"/>
         </a:spcAft>
         <a:buNone/>
-        <a:defRPr b="0" baseline="0" i="0" sz="1400" u="none" cap="none" strike="noStrike">
+        <a:defRPr sz="1400" b="0" i="0" u="none" strike="noStrike" cap="none" baseline="0">
           <a:solidFill>
             <a:srgbClr val="000000"/>
           </a:solidFill>
@@ -2989,7 +3196,7 @@
           <a:rtl val="0"/>
         </a:defRPr>
       </a:lvl7pPr>
-      <a:lvl8pPr marR="0" rtl="0" algn="l">
+      <a:lvl8pPr marR="0" algn="l" rtl="0">
         <a:lnSpc>
           <a:spcPct val="100000"/>
         </a:lnSpc>
@@ -3000,7 +3207,7 @@
           <a:spcPts val="0"/>
         </a:spcAft>
         <a:buNone/>
-        <a:defRPr b="0" baseline="0" i="0" sz="1400" u="none" cap="none" strike="noStrike">
+        <a:defRPr sz="1400" b="0" i="0" u="none" strike="noStrike" cap="none" baseline="0">
           <a:solidFill>
             <a:srgbClr val="000000"/>
           </a:solidFill>
@@ -3011,7 +3218,7 @@
           <a:rtl val="0"/>
         </a:defRPr>
       </a:lvl8pPr>
-      <a:lvl9pPr marR="0" rtl="0" algn="l">
+      <a:lvl9pPr marR="0" algn="l" rtl="0">
         <a:lnSpc>
           <a:spcPct val="100000"/>
         </a:lnSpc>
@@ -3022,7 +3229,7 @@
           <a:spcPts val="0"/>
         </a:spcAft>
         <a:buNone/>
-        <a:defRPr b="0" baseline="0" i="0" sz="1400" u="none" cap="none" strike="noStrike">
+        <a:defRPr sz="1400" b="0" i="0" u="none" strike="noStrike" cap="none" baseline="0">
           <a:solidFill>
             <a:srgbClr val="000000"/>
           </a:solidFill>
@@ -3039,11 +3246,11 @@
 </file>
 
 <file path=ppt/slides/slide1.xml><?xml version="1.0" encoding="utf-8"?>
-<p:sld xmlns:a="http://schemas.openxmlformats.org/drawingml/2006/main" xmlns:r="http://schemas.openxmlformats.org/officeDocument/2006/relationships" xmlns:mc="http://schemas.openxmlformats.org/markup-compatibility/2006" xmlns:mv="urn:schemas-microsoft-com:mac:vml" xmlns:p="http://schemas.openxmlformats.org/presentationml/2006/main" xmlns:c="http://schemas.openxmlformats.org/drawingml/2006/chart" xmlns:dgm="http://schemas.openxmlformats.org/drawingml/2006/diagram" xmlns:o="urn:schemas-microsoft-com:office:office" xmlns:v="urn:schemas-microsoft-com:vml" xmlns:pvml="urn:schemas-microsoft-com:office:powerpoint" xmlns:com="http://schemas.openxmlformats.org/drawingml/2006/compatibility" xmlns:p14="http://schemas.microsoft.com/office/powerpoint/2010/main">
+<p:sld xmlns:a="http://schemas.openxmlformats.org/drawingml/2006/main" xmlns:r="http://schemas.openxmlformats.org/officeDocument/2006/relationships" xmlns:p="http://schemas.openxmlformats.org/presentationml/2006/main">
   <p:cSld>
     <p:spTree>
       <p:nvGrpSpPr>
-        <p:cNvPr id="22" name="Shape 22"/>
+        <p:cNvPr id="1" name="Shape 22"/>
         <p:cNvGrpSpPr/>
         <p:nvPr/>
       </p:nvGrpSpPr>
@@ -3058,7 +3265,9 @@
       <p:sp>
         <p:nvSpPr>
           <p:cNvPr id="23" name="Shape 23"/>
-          <p:cNvSpPr txBox="1"/>
+          <p:cNvSpPr txBox="1">
+            <a:spLocks noGrp="1"/>
+          </p:cNvSpPr>
           <p:nvPr>
             <p:ph type="ctrTitle"/>
           </p:nvPr>
@@ -3073,7 +3282,7 @@
           </a:prstGeom>
         </p:spPr>
         <p:txBody>
-          <a:bodyPr anchorCtr="0" anchor="b" bIns="91425" lIns="91425" rIns="91425" tIns="91425">
+          <a:bodyPr lIns="91425" tIns="91425" rIns="91425" bIns="91425" anchor="b" anchorCtr="0">
             <a:noAutofit/>
           </a:bodyPr>
           <a:lstStyle/>
@@ -3094,9 +3303,11 @@
       <p:sp>
         <p:nvSpPr>
           <p:cNvPr id="24" name="Shape 24"/>
-          <p:cNvSpPr txBox="1"/>
+          <p:cNvSpPr txBox="1">
+            <a:spLocks noGrp="1"/>
+          </p:cNvSpPr>
           <p:nvPr>
-            <p:ph idx="1" type="subTitle"/>
+            <p:ph type="subTitle" idx="1"/>
           </p:nvPr>
         </p:nvSpPr>
         <p:spPr>
@@ -3109,7 +3320,7 @@
           </a:prstGeom>
         </p:spPr>
         <p:txBody>
-          <a:bodyPr anchorCtr="0" anchor="t" bIns="91425" lIns="91425" rIns="91425" tIns="91425">
+          <a:bodyPr lIns="91425" tIns="91425" rIns="91425" bIns="91425" anchor="t" anchorCtr="0">
             <a:noAutofit/>
           </a:bodyPr>
           <a:lstStyle/>
@@ -3139,11 +3350,11 @@
 </file>
 
 <file path=ppt/slides/slide2.xml><?xml version="1.0" encoding="utf-8"?>
-<p:sld xmlns:a="http://schemas.openxmlformats.org/drawingml/2006/main" xmlns:r="http://schemas.openxmlformats.org/officeDocument/2006/relationships" xmlns:mc="http://schemas.openxmlformats.org/markup-compatibility/2006" xmlns:mv="urn:schemas-microsoft-com:mac:vml" xmlns:p="http://schemas.openxmlformats.org/presentationml/2006/main" xmlns:c="http://schemas.openxmlformats.org/drawingml/2006/chart" xmlns:dgm="http://schemas.openxmlformats.org/drawingml/2006/diagram" xmlns:o="urn:schemas-microsoft-com:office:office" xmlns:v="urn:schemas-microsoft-com:vml" xmlns:pvml="urn:schemas-microsoft-com:office:powerpoint" xmlns:com="http://schemas.openxmlformats.org/drawingml/2006/compatibility" xmlns:p14="http://schemas.microsoft.com/office/powerpoint/2010/main">
+<p:sld xmlns:a="http://schemas.openxmlformats.org/drawingml/2006/main" xmlns:r="http://schemas.openxmlformats.org/officeDocument/2006/relationships" xmlns:p="http://schemas.openxmlformats.org/presentationml/2006/main">
   <p:cSld>
     <p:spTree>
       <p:nvGrpSpPr>
-        <p:cNvPr id="28" name="Shape 28"/>
+        <p:cNvPr id="1" name="Shape 28"/>
         <p:cNvGrpSpPr/>
         <p:nvPr/>
       </p:nvGrpSpPr>
@@ -3158,7 +3369,9 @@
       <p:sp>
         <p:nvSpPr>
           <p:cNvPr id="29" name="Shape 29"/>
-          <p:cNvSpPr txBox="1"/>
+          <p:cNvSpPr txBox="1">
+            <a:spLocks noGrp="1"/>
+          </p:cNvSpPr>
           <p:nvPr>
             <p:ph type="title"/>
           </p:nvPr>
@@ -3173,7 +3386,7 @@
           </a:prstGeom>
         </p:spPr>
         <p:txBody>
-          <a:bodyPr anchorCtr="0" anchor="b" bIns="91425" lIns="91425" rIns="91425" tIns="91425">
+          <a:bodyPr lIns="91425" tIns="91425" rIns="91425" bIns="91425" anchor="b" anchorCtr="0">
             <a:noAutofit/>
           </a:bodyPr>
           <a:lstStyle/>
@@ -3194,9 +3407,11 @@
       <p:sp>
         <p:nvSpPr>
           <p:cNvPr id="30" name="Shape 30"/>
-          <p:cNvSpPr txBox="1"/>
+          <p:cNvSpPr txBox="1">
+            <a:spLocks noGrp="1"/>
+          </p:cNvSpPr>
           <p:nvPr>
-            <p:ph idx="1" type="body"/>
+            <p:ph type="body" idx="1"/>
           </p:nvPr>
         </p:nvSpPr>
         <p:spPr>
@@ -3209,12 +3424,12 @@
           </a:prstGeom>
         </p:spPr>
         <p:txBody>
-          <a:bodyPr anchorCtr="0" anchor="t" bIns="91425" lIns="91425" rIns="91425" tIns="91425">
+          <a:bodyPr lIns="91425" tIns="91425" rIns="91425" bIns="91425" anchor="t" anchorCtr="0">
             <a:noAutofit/>
           </a:bodyPr>
           <a:lstStyle/>
           <a:p>
-            <a:pPr indent="-228600" lvl="0" marL="457200" rtl="0">
+            <a:pPr marL="457200" lvl="0" indent="-228600" rtl="0">
               <a:spcBef>
                 <a:spcPts val="0"/>
               </a:spcBef>
@@ -3225,7 +3440,7 @@
             </a:r>
           </a:p>
           <a:p>
-            <a:pPr indent="-228600" lvl="0" marL="457200" rtl="0">
+            <a:pPr marL="457200" lvl="0" indent="-228600" rtl="0">
               <a:spcBef>
                 <a:spcPts val="0"/>
               </a:spcBef>
@@ -3236,7 +3451,7 @@
             </a:r>
           </a:p>
           <a:p>
-            <a:pPr indent="-228600" lvl="0" marL="457200" rtl="0">
+            <a:pPr marL="457200" lvl="0" indent="-228600" rtl="0">
               <a:spcBef>
                 <a:spcPts val="0"/>
               </a:spcBef>
@@ -3247,7 +3462,7 @@
             </a:r>
           </a:p>
           <a:p>
-            <a:pPr indent="-228600" lvl="0" marL="457200" rtl="0">
+            <a:pPr marL="457200" lvl="0" indent="-228600" rtl="0">
               <a:spcBef>
                 <a:spcPts val="0"/>
               </a:spcBef>
@@ -3258,7 +3473,7 @@
             </a:r>
           </a:p>
           <a:p>
-            <a:pPr indent="-228600" lvl="0" marL="457200" rtl="0">
+            <a:pPr marL="457200" lvl="0" indent="-228600" rtl="0">
               <a:spcBef>
                 <a:spcPts val="0"/>
               </a:spcBef>
@@ -3282,11 +3497,11 @@
 </file>
 
 <file path=ppt/slides/slide3.xml><?xml version="1.0" encoding="utf-8"?>
-<p:sld xmlns:a="http://schemas.openxmlformats.org/drawingml/2006/main" xmlns:r="http://schemas.openxmlformats.org/officeDocument/2006/relationships" xmlns:mc="http://schemas.openxmlformats.org/markup-compatibility/2006" xmlns:mv="urn:schemas-microsoft-com:mac:vml" xmlns:p="http://schemas.openxmlformats.org/presentationml/2006/main" xmlns:c="http://schemas.openxmlformats.org/drawingml/2006/chart" xmlns:dgm="http://schemas.openxmlformats.org/drawingml/2006/diagram" xmlns:o="urn:schemas-microsoft-com:office:office" xmlns:v="urn:schemas-microsoft-com:vml" xmlns:pvml="urn:schemas-microsoft-com:office:powerpoint" xmlns:com="http://schemas.openxmlformats.org/drawingml/2006/compatibility" xmlns:p14="http://schemas.microsoft.com/office/powerpoint/2010/main">
+<p:sld xmlns:a="http://schemas.openxmlformats.org/drawingml/2006/main" xmlns:r="http://schemas.openxmlformats.org/officeDocument/2006/relationships" xmlns:p="http://schemas.openxmlformats.org/presentationml/2006/main">
   <p:cSld>
     <p:spTree>
       <p:nvGrpSpPr>
-        <p:cNvPr id="34" name="Shape 34"/>
+        <p:cNvPr id="1" name="Shape 34"/>
         <p:cNvGrpSpPr/>
         <p:nvPr/>
       </p:nvGrpSpPr>
@@ -3301,7 +3516,9 @@
       <p:sp>
         <p:nvSpPr>
           <p:cNvPr id="35" name="Shape 35"/>
-          <p:cNvSpPr txBox="1"/>
+          <p:cNvSpPr txBox="1">
+            <a:spLocks noGrp="1"/>
+          </p:cNvSpPr>
           <p:nvPr>
             <p:ph type="title"/>
           </p:nvPr>
@@ -3316,7 +3533,7 @@
           </a:prstGeom>
         </p:spPr>
         <p:txBody>
-          <a:bodyPr anchorCtr="0" anchor="b" bIns="91425" lIns="91425" rIns="91425" tIns="91425">
+          <a:bodyPr lIns="91425" tIns="91425" rIns="91425" bIns="91425" anchor="b" anchorCtr="0">
             <a:noAutofit/>
           </a:bodyPr>
           <a:lstStyle/>
@@ -3337,9 +3554,11 @@
       <p:sp>
         <p:nvSpPr>
           <p:cNvPr id="36" name="Shape 36"/>
-          <p:cNvSpPr txBox="1"/>
+          <p:cNvSpPr txBox="1">
+            <a:spLocks noGrp="1"/>
+          </p:cNvSpPr>
           <p:nvPr>
-            <p:ph idx="1" type="body"/>
+            <p:ph type="body" idx="1"/>
           </p:nvPr>
         </p:nvSpPr>
         <p:spPr>
@@ -3352,12 +3571,12 @@
           </a:prstGeom>
         </p:spPr>
         <p:txBody>
-          <a:bodyPr anchorCtr="0" anchor="t" bIns="91425" lIns="91425" rIns="91425" tIns="91425">
+          <a:bodyPr lIns="91425" tIns="91425" rIns="91425" bIns="91425" anchor="t" anchorCtr="0">
             <a:noAutofit/>
           </a:bodyPr>
           <a:lstStyle/>
           <a:p>
-            <a:pPr indent="-228600" lvl="0" marL="457200" rtl="0">
+            <a:pPr marL="457200" lvl="0" indent="-228600" rtl="0">
               <a:spcBef>
                 <a:spcPts val="0"/>
               </a:spcBef>
@@ -3368,7 +3587,7 @@
             </a:r>
           </a:p>
           <a:p>
-            <a:pPr indent="-228600" lvl="1" marL="914400" rtl="0">
+            <a:pPr marL="914400" lvl="1" indent="-228600" rtl="0">
               <a:spcBef>
                 <a:spcPts val="0"/>
               </a:spcBef>
@@ -3379,7 +3598,7 @@
             </a:r>
           </a:p>
           <a:p>
-            <a:pPr indent="-228600" lvl="2" marL="1371600" rtl="0">
+            <a:pPr marL="1371600" lvl="2" indent="-228600" rtl="0">
               <a:spcBef>
                 <a:spcPts val="0"/>
               </a:spcBef>
@@ -3389,7 +3608,7 @@
               <a:t>value (2</a:t>
             </a:r>
             <a:r>
-              <a:rPr baseline="30000" lang="en-GB"/>
+              <a:rPr lang="en-GB" baseline="30000"/>
               <a:t>31</a:t>
             </a:r>
             <a:r>
@@ -3397,7 +3616,7 @@
               <a:t> and 2</a:t>
             </a:r>
             <a:r>
-              <a:rPr baseline="30000" lang="en-GB"/>
+              <a:rPr lang="en-GB" baseline="30000"/>
               <a:t>31</a:t>
             </a:r>
             <a:r>
@@ -3406,7 +3625,7 @@
             </a:r>
           </a:p>
           <a:p>
-            <a:pPr indent="-228600" lvl="2" marL="1371600" rtl="0">
+            <a:pPr marL="1371600" lvl="2" indent="-228600" rtl="0">
               <a:spcBef>
                 <a:spcPts val="0"/>
               </a:spcBef>
@@ -3417,7 +3636,7 @@
             </a:r>
           </a:p>
           <a:p>
-            <a:pPr indent="-228600" lvl="1" marL="914400" rtl="0">
+            <a:pPr marL="914400" lvl="1" indent="-228600" rtl="0">
               <a:spcBef>
                 <a:spcPts val="0"/>
               </a:spcBef>
@@ -3428,7 +3647,7 @@
             </a:r>
           </a:p>
           <a:p>
-            <a:pPr indent="-228600" lvl="2" marL="1371600" rtl="0">
+            <a:pPr marL="1371600" lvl="2" indent="-228600" rtl="0">
               <a:spcBef>
                 <a:spcPts val="0"/>
               </a:spcBef>
@@ -3439,7 +3658,7 @@
             </a:r>
           </a:p>
           <a:p>
-            <a:pPr indent="-228600" lvl="2" marL="1371600" rtl="0">
+            <a:pPr marL="1371600" lvl="2" indent="-228600" rtl="0">
               <a:spcBef>
                 <a:spcPts val="0"/>
               </a:spcBef>
@@ -3450,7 +3669,7 @@
             </a:r>
           </a:p>
           <a:p>
-            <a:pPr indent="-228600" lvl="0" marL="457200" rtl="0">
+            <a:pPr marL="457200" lvl="0" indent="-228600" rtl="0">
               <a:spcBef>
                 <a:spcPts val="0"/>
               </a:spcBef>
@@ -3463,7 +3682,7 @@
               <a:rPr lang="en-GB"/>
             </a:br>
             <a:r>
-              <a:rPr b="1" lang="en-GB"/>
+              <a:rPr lang="en-GB" b="1"/>
               <a:t>you can build your own…</a:t>
             </a:r>
           </a:p>
@@ -3481,11 +3700,11 @@
 </file>
 
 <file path=ppt/slides/slide4.xml><?xml version="1.0" encoding="utf-8"?>
-<p:sld xmlns:a="http://schemas.openxmlformats.org/drawingml/2006/main" xmlns:r="http://schemas.openxmlformats.org/officeDocument/2006/relationships" xmlns:mc="http://schemas.openxmlformats.org/markup-compatibility/2006" xmlns:mv="urn:schemas-microsoft-com:mac:vml" xmlns:p="http://schemas.openxmlformats.org/presentationml/2006/main" xmlns:c="http://schemas.openxmlformats.org/drawingml/2006/chart" xmlns:dgm="http://schemas.openxmlformats.org/drawingml/2006/diagram" xmlns:o="urn:schemas-microsoft-com:office:office" xmlns:v="urn:schemas-microsoft-com:vml" xmlns:pvml="urn:schemas-microsoft-com:office:powerpoint" xmlns:com="http://schemas.openxmlformats.org/drawingml/2006/compatibility" xmlns:p14="http://schemas.microsoft.com/office/powerpoint/2010/main">
+<p:sld xmlns:a="http://schemas.openxmlformats.org/drawingml/2006/main" xmlns:r="http://schemas.openxmlformats.org/officeDocument/2006/relationships" xmlns:p="http://schemas.openxmlformats.org/presentationml/2006/main">
   <p:cSld>
     <p:spTree>
       <p:nvGrpSpPr>
-        <p:cNvPr id="40" name="Shape 40"/>
+        <p:cNvPr id="1" name="Shape 40"/>
         <p:cNvGrpSpPr/>
         <p:nvPr/>
       </p:nvGrpSpPr>
@@ -3500,7 +3719,9 @@
       <p:sp>
         <p:nvSpPr>
           <p:cNvPr id="41" name="Shape 41"/>
-          <p:cNvSpPr txBox="1"/>
+          <p:cNvSpPr txBox="1">
+            <a:spLocks noGrp="1"/>
+          </p:cNvSpPr>
           <p:nvPr>
             <p:ph type="title"/>
           </p:nvPr>
@@ -3515,7 +3736,7 @@
           </a:prstGeom>
         </p:spPr>
         <p:txBody>
-          <a:bodyPr anchorCtr="0" anchor="b" bIns="91425" lIns="91425" rIns="91425" tIns="91425">
+          <a:bodyPr lIns="91425" tIns="91425" rIns="91425" bIns="91425" anchor="b" anchorCtr="0">
             <a:noAutofit/>
           </a:bodyPr>
           <a:lstStyle/>
@@ -3536,9 +3757,11 @@
       <p:sp>
         <p:nvSpPr>
           <p:cNvPr id="42" name="Shape 42"/>
-          <p:cNvSpPr txBox="1"/>
+          <p:cNvSpPr txBox="1">
+            <a:spLocks noGrp="1"/>
+          </p:cNvSpPr>
           <p:nvPr>
-            <p:ph idx="1" type="body"/>
+            <p:ph type="body" idx="1"/>
           </p:nvPr>
         </p:nvSpPr>
         <p:spPr>
@@ -3551,12 +3774,12 @@
           </a:prstGeom>
         </p:spPr>
         <p:txBody>
-          <a:bodyPr anchorCtr="0" anchor="t" bIns="91425" lIns="91425" rIns="91425" tIns="91425">
+          <a:bodyPr lIns="91425" tIns="91425" rIns="91425" bIns="91425" anchor="t" anchorCtr="0">
             <a:noAutofit/>
           </a:bodyPr>
           <a:lstStyle/>
           <a:p>
-            <a:pPr indent="-228600" lvl="0" marL="457200" rtl="0">
+            <a:pPr marL="457200" lvl="0" indent="-228600" rtl="0">
               <a:spcBef>
                 <a:spcPts val="0"/>
               </a:spcBef>
@@ -3567,7 +3790,7 @@
             </a:r>
           </a:p>
           <a:p>
-            <a:pPr indent="-228600" lvl="0" marL="457200" rtl="0">
+            <a:pPr marL="457200" lvl="0" indent="-228600" rtl="0">
               <a:spcBef>
                 <a:spcPts val="0"/>
               </a:spcBef>
@@ -3578,7 +3801,7 @@
             </a:r>
           </a:p>
           <a:p>
-            <a:pPr indent="-228600" lvl="0" marL="457200" rtl="0">
+            <a:pPr marL="457200" lvl="0" indent="-228600" rtl="0">
               <a:spcBef>
                 <a:spcPts val="0"/>
               </a:spcBef>
@@ -3589,7 +3812,7 @@
             </a:r>
           </a:p>
           <a:p>
-            <a:pPr indent="-228600" lvl="1" marL="914400" rtl="0">
+            <a:pPr marL="914400" lvl="1" indent="-228600" rtl="0">
               <a:spcBef>
                 <a:spcPts val="0"/>
               </a:spcBef>
@@ -3600,7 +3823,7 @@
             </a:r>
           </a:p>
           <a:p>
-            <a:pPr indent="-228600" lvl="1" marL="914400" rtl="0">
+            <a:pPr marL="914400" lvl="1" indent="-228600" rtl="0">
               <a:spcBef>
                 <a:spcPts val="0"/>
               </a:spcBef>
@@ -3652,11 +3875,11 @@
 </file>
 
 <file path=ppt/slides/slide5.xml><?xml version="1.0" encoding="utf-8"?>
-<p:sld xmlns:a="http://schemas.openxmlformats.org/drawingml/2006/main" xmlns:r="http://schemas.openxmlformats.org/officeDocument/2006/relationships" xmlns:mc="http://schemas.openxmlformats.org/markup-compatibility/2006" xmlns:mv="urn:schemas-microsoft-com:mac:vml" xmlns:p="http://schemas.openxmlformats.org/presentationml/2006/main" xmlns:c="http://schemas.openxmlformats.org/drawingml/2006/chart" xmlns:dgm="http://schemas.openxmlformats.org/drawingml/2006/diagram" xmlns:o="urn:schemas-microsoft-com:office:office" xmlns:v="urn:schemas-microsoft-com:vml" xmlns:pvml="urn:schemas-microsoft-com:office:powerpoint" xmlns:com="http://schemas.openxmlformats.org/drawingml/2006/compatibility" xmlns:p14="http://schemas.microsoft.com/office/powerpoint/2010/main">
+<p:sld xmlns:a="http://schemas.openxmlformats.org/drawingml/2006/main" xmlns:r="http://schemas.openxmlformats.org/officeDocument/2006/relationships" xmlns:p="http://schemas.openxmlformats.org/presentationml/2006/main">
   <p:cSld>
     <p:spTree>
       <p:nvGrpSpPr>
-        <p:cNvPr id="47" name="Shape 47"/>
+        <p:cNvPr id="1" name="Shape 47"/>
         <p:cNvGrpSpPr/>
         <p:nvPr/>
       </p:nvGrpSpPr>
@@ -3671,7 +3894,9 @@
       <p:sp>
         <p:nvSpPr>
           <p:cNvPr id="48" name="Shape 48"/>
-          <p:cNvSpPr txBox="1"/>
+          <p:cNvSpPr txBox="1">
+            <a:spLocks noGrp="1"/>
+          </p:cNvSpPr>
           <p:nvPr>
             <p:ph type="title"/>
           </p:nvPr>
@@ -3686,7 +3911,7 @@
           </a:prstGeom>
         </p:spPr>
         <p:txBody>
-          <a:bodyPr anchorCtr="0" anchor="b" bIns="91425" lIns="91425" rIns="91425" tIns="91425">
+          <a:bodyPr lIns="91425" tIns="91425" rIns="91425" bIns="91425" anchor="b" anchorCtr="0">
             <a:noAutofit/>
           </a:bodyPr>
           <a:lstStyle/>
@@ -3707,9 +3932,11 @@
       <p:sp>
         <p:nvSpPr>
           <p:cNvPr id="49" name="Shape 49"/>
-          <p:cNvSpPr txBox="1"/>
+          <p:cNvSpPr txBox="1">
+            <a:spLocks noGrp="1"/>
+          </p:cNvSpPr>
           <p:nvPr>
-            <p:ph idx="1" type="body"/>
+            <p:ph type="body" idx="1"/>
           </p:nvPr>
         </p:nvSpPr>
         <p:spPr>
@@ -3722,12 +3949,12 @@
           </a:prstGeom>
         </p:spPr>
         <p:txBody>
-          <a:bodyPr anchorCtr="0" anchor="t" bIns="91425" lIns="91425" rIns="91425" tIns="91425">
+          <a:bodyPr lIns="91425" tIns="91425" rIns="91425" bIns="91425" anchor="t" anchorCtr="0">
             <a:noAutofit/>
           </a:bodyPr>
           <a:lstStyle/>
           <a:p>
-            <a:pPr indent="-228600" lvl="0" marL="457200" rtl="0">
+            <a:pPr marL="457200" lvl="0" indent="-228600" rtl="0">
               <a:spcBef>
                 <a:spcPts val="0"/>
               </a:spcBef>
@@ -3739,7 +3966,7 @@
             </a:r>
           </a:p>
           <a:p>
-            <a:pPr indent="-228600" lvl="0" marL="457200" rtl="0">
+            <a:pPr marL="457200" lvl="0" indent="-228600" rtl="0">
               <a:spcBef>
                 <a:spcPts val="0"/>
               </a:spcBef>
@@ -3751,7 +3978,7 @@
             </a:r>
           </a:p>
           <a:p>
-            <a:pPr indent="-228600" lvl="0" marL="457200">
+            <a:pPr marL="457200" lvl="0" indent="-228600">
               <a:spcBef>
                 <a:spcPts val="0"/>
               </a:spcBef>
@@ -3764,6 +3991,7 @@
             <a:br>
               <a:rPr lang="en-GB" sz="1400"/>
             </a:br>
+            <a:endParaRPr lang="en-GB" sz="1400"/>
           </a:p>
         </p:txBody>
       </p:sp>
@@ -3835,11 +4063,11 @@
 </file>
 
 <file path=ppt/slides/slide6.xml><?xml version="1.0" encoding="utf-8"?>
-<p:sld xmlns:a="http://schemas.openxmlformats.org/drawingml/2006/main" xmlns:r="http://schemas.openxmlformats.org/officeDocument/2006/relationships" xmlns:mc="http://schemas.openxmlformats.org/markup-compatibility/2006" xmlns:mv="urn:schemas-microsoft-com:mac:vml" xmlns:p="http://schemas.openxmlformats.org/presentationml/2006/main" xmlns:c="http://schemas.openxmlformats.org/drawingml/2006/chart" xmlns:dgm="http://schemas.openxmlformats.org/drawingml/2006/diagram" xmlns:o="urn:schemas-microsoft-com:office:office" xmlns:v="urn:schemas-microsoft-com:vml" xmlns:pvml="urn:schemas-microsoft-com:office:powerpoint" xmlns:com="http://schemas.openxmlformats.org/drawingml/2006/compatibility" xmlns:p14="http://schemas.microsoft.com/office/powerpoint/2010/main">
+<p:sld xmlns:a="http://schemas.openxmlformats.org/drawingml/2006/main" xmlns:r="http://schemas.openxmlformats.org/officeDocument/2006/relationships" xmlns:p="http://schemas.openxmlformats.org/presentationml/2006/main">
   <p:cSld>
     <p:spTree>
       <p:nvGrpSpPr>
-        <p:cNvPr id="55" name="Shape 55"/>
+        <p:cNvPr id="1" name="Shape 55"/>
         <p:cNvGrpSpPr/>
         <p:nvPr/>
       </p:nvGrpSpPr>
@@ -3854,7 +4082,9 @@
       <p:sp>
         <p:nvSpPr>
           <p:cNvPr id="56" name="Shape 56"/>
-          <p:cNvSpPr txBox="1"/>
+          <p:cNvSpPr txBox="1">
+            <a:spLocks noGrp="1"/>
+          </p:cNvSpPr>
           <p:nvPr>
             <p:ph type="title"/>
           </p:nvPr>
@@ -3869,7 +4099,7 @@
           </a:prstGeom>
         </p:spPr>
         <p:txBody>
-          <a:bodyPr anchorCtr="0" anchor="b" bIns="91425" lIns="91425" rIns="91425" tIns="91425">
+          <a:bodyPr lIns="91425" tIns="91425" rIns="91425" bIns="91425" anchor="b" anchorCtr="0">
             <a:noAutofit/>
           </a:bodyPr>
           <a:lstStyle/>
@@ -3890,9 +4120,11 @@
       <p:sp>
         <p:nvSpPr>
           <p:cNvPr id="57" name="Shape 57"/>
-          <p:cNvSpPr txBox="1"/>
+          <p:cNvSpPr txBox="1">
+            <a:spLocks noGrp="1"/>
+          </p:cNvSpPr>
           <p:nvPr>
-            <p:ph idx="1" type="body"/>
+            <p:ph type="body" idx="1"/>
           </p:nvPr>
         </p:nvSpPr>
         <p:spPr>
@@ -3905,29 +4137,25 @@
           </a:prstGeom>
         </p:spPr>
         <p:txBody>
-          <a:bodyPr anchorCtr="0" anchor="t" bIns="91425" lIns="91425" rIns="91425" tIns="91425">
+          <a:bodyPr lIns="91425" tIns="91425" rIns="91425" bIns="91425" anchor="t" anchorCtr="0">
             <a:noAutofit/>
           </a:bodyPr>
           <a:lstStyle/>
           <a:p>
-            <a:pPr indent="-228600" lvl="0" marL="457200" rtl="0">
+            <a:pPr marL="457200" lvl="0" indent="-228600" rtl="0">
               <a:spcBef>
                 <a:spcPts val="0"/>
               </a:spcBef>
             </a:pPr>
             <a:r>
-              <a:rPr lang="en-GB"/>
+              <a:rPr lang="en-GB" dirty="0"/>
               <a:t>Use a Java Class</a:t>
             </a:r>
           </a:p>
           <a:p>
-            <a:pPr indent="-228600" lvl="0" marL="457200" rtl="0">
-              <a:spcBef>
-                <a:spcPts val="0"/>
-              </a:spcBef>
-            </a:pPr>
+            <a:pPr marL="457200" lvl="0" indent="-228600"/>
             <a:r>
-              <a:rPr lang="en-GB"/>
+              <a:rPr lang="en-GB" dirty="0"/>
               <a:t>See implementation of counter API here:</a:t>
             </a:r>
             <a:br>
@@ -3938,34 +4166,19 @@
                 <a:solidFill>
                   <a:schemeClr val="hlink"/>
                 </a:solidFill>
-                <a:hlinkClick r:id="rId3"/>
               </a:rPr>
-              <a:t>http://algs4.cs.princeton.edu/12oop/Counter.java.html</a:t>
+              <a:t>https://github.com/fxwalsh/algorithms-2016-examples/blob/master/src/topic1/Counter.java</a:t>
             </a:r>
-          </a:p>
-          <a:p>
-            <a:pPr lvl="0" rtl="0">
+            <a:endParaRPr dirty="0"/>
+          </a:p>
+          <a:p>
+            <a:pPr lvl="0">
               <a:spcBef>
                 <a:spcPts val="0"/>
               </a:spcBef>
               <a:buNone/>
             </a:pPr>
-            <a:r>
-              <a:t/>
-            </a:r>
-            <a:endParaRPr/>
-          </a:p>
-          <a:p>
-            <a:pPr lvl="0">
-              <a:spcBef>
-                <a:spcPts val="0"/>
-              </a:spcBef>
-              <a:buNone/>
-            </a:pPr>
-            <a:r>
-              <a:t/>
-            </a:r>
-            <a:endParaRPr/>
+            <a:endParaRPr dirty="0"/>
           </a:p>
         </p:txBody>
       </p:sp>
@@ -3981,11 +4194,11 @@
 </file>
 
 <file path=ppt/slides/slide7.xml><?xml version="1.0" encoding="utf-8"?>
-<p:sld xmlns:a="http://schemas.openxmlformats.org/drawingml/2006/main" xmlns:r="http://schemas.openxmlformats.org/officeDocument/2006/relationships" xmlns:mc="http://schemas.openxmlformats.org/markup-compatibility/2006" xmlns:mv="urn:schemas-microsoft-com:mac:vml" xmlns:p="http://schemas.openxmlformats.org/presentationml/2006/main" xmlns:c="http://schemas.openxmlformats.org/drawingml/2006/chart" xmlns:dgm="http://schemas.openxmlformats.org/drawingml/2006/diagram" xmlns:o="urn:schemas-microsoft-com:office:office" xmlns:v="urn:schemas-microsoft-com:vml" xmlns:pvml="urn:schemas-microsoft-com:office:powerpoint" xmlns:com="http://schemas.openxmlformats.org/drawingml/2006/compatibility" xmlns:p14="http://schemas.microsoft.com/office/powerpoint/2010/main">
+<p:sld xmlns:a="http://schemas.openxmlformats.org/drawingml/2006/main" xmlns:r="http://schemas.openxmlformats.org/officeDocument/2006/relationships" xmlns:p="http://schemas.openxmlformats.org/presentationml/2006/main">
   <p:cSld>
     <p:spTree>
       <p:nvGrpSpPr>
-        <p:cNvPr id="61" name="Shape 61"/>
+        <p:cNvPr id="1" name="Shape 61"/>
         <p:cNvGrpSpPr/>
         <p:nvPr/>
       </p:nvGrpSpPr>
@@ -4000,7 +4213,9 @@
       <p:sp>
         <p:nvSpPr>
           <p:cNvPr id="62" name="Shape 62"/>
-          <p:cNvSpPr txBox="1"/>
+          <p:cNvSpPr txBox="1">
+            <a:spLocks noGrp="1"/>
+          </p:cNvSpPr>
           <p:nvPr>
             <p:ph type="title"/>
           </p:nvPr>
@@ -4015,7 +4230,7 @@
           </a:prstGeom>
         </p:spPr>
         <p:txBody>
-          <a:bodyPr anchorCtr="0" anchor="b" bIns="91425" lIns="91425" rIns="91425" tIns="91425">
+          <a:bodyPr lIns="91425" tIns="91425" rIns="91425" bIns="91425" anchor="b" anchorCtr="0">
             <a:noAutofit/>
           </a:bodyPr>
           <a:lstStyle/>
@@ -4036,9 +4251,11 @@
       <p:sp>
         <p:nvSpPr>
           <p:cNvPr id="63" name="Shape 63"/>
-          <p:cNvSpPr txBox="1"/>
+          <p:cNvSpPr txBox="1">
+            <a:spLocks noGrp="1"/>
+          </p:cNvSpPr>
           <p:nvPr>
-            <p:ph idx="1" type="body"/>
+            <p:ph type="body" idx="1"/>
           </p:nvPr>
         </p:nvSpPr>
         <p:spPr>
@@ -4051,12 +4268,12 @@
           </a:prstGeom>
         </p:spPr>
         <p:txBody>
-          <a:bodyPr anchorCtr="0" anchor="t" bIns="91425" lIns="91425" rIns="91425" tIns="91425">
+          <a:bodyPr lIns="91425" tIns="91425" rIns="91425" bIns="91425" anchor="t" anchorCtr="0">
             <a:noAutofit/>
           </a:bodyPr>
           <a:lstStyle/>
           <a:p>
-            <a:pPr indent="-228600" lvl="0" marL="457200" rtl="0">
+            <a:pPr marL="457200" lvl="0" indent="-228600" rtl="0">
               <a:spcBef>
                 <a:spcPts val="0"/>
               </a:spcBef>
@@ -4067,7 +4284,7 @@
             </a:r>
           </a:p>
           <a:p>
-            <a:pPr indent="-228600" lvl="0" marL="457200" rtl="0">
+            <a:pPr marL="457200" lvl="0" indent="-228600" rtl="0">
               <a:spcBef>
                 <a:spcPts val="0"/>
               </a:spcBef>
@@ -4084,9 +4301,6 @@
               </a:spcBef>
               <a:buNone/>
             </a:pPr>
-            <a:r>
-              <a:t/>
-            </a:r>
             <a:endParaRPr/>
           </a:p>
           <a:p>
@@ -4186,9 +4400,6 @@
               </a:spcBef>
               <a:buNone/>
             </a:pPr>
-            <a:r>
-              <a:t/>
-            </a:r>
             <a:endParaRPr/>
           </a:p>
         </p:txBody>
@@ -4205,11 +4416,11 @@
 </file>
 
 <file path=ppt/slides/slide8.xml><?xml version="1.0" encoding="utf-8"?>
-<p:sld xmlns:a="http://schemas.openxmlformats.org/drawingml/2006/main" xmlns:r="http://schemas.openxmlformats.org/officeDocument/2006/relationships" xmlns:mc="http://schemas.openxmlformats.org/markup-compatibility/2006" xmlns:mv="urn:schemas-microsoft-com:mac:vml" xmlns:p="http://schemas.openxmlformats.org/presentationml/2006/main" xmlns:c="http://schemas.openxmlformats.org/drawingml/2006/chart" xmlns:dgm="http://schemas.openxmlformats.org/drawingml/2006/diagram" xmlns:o="urn:schemas-microsoft-com:office:office" xmlns:v="urn:schemas-microsoft-com:vml" xmlns:pvml="urn:schemas-microsoft-com:office:powerpoint" xmlns:com="http://schemas.openxmlformats.org/drawingml/2006/compatibility" xmlns:p14="http://schemas.microsoft.com/office/powerpoint/2010/main">
+<p:sld xmlns:a="http://schemas.openxmlformats.org/drawingml/2006/main" xmlns:r="http://schemas.openxmlformats.org/officeDocument/2006/relationships" xmlns:p="http://schemas.openxmlformats.org/presentationml/2006/main">
   <p:cSld>
     <p:spTree>
       <p:nvGrpSpPr>
-        <p:cNvPr id="67" name="Shape 67"/>
+        <p:cNvPr id="1" name="Shape 67"/>
         <p:cNvGrpSpPr/>
         <p:nvPr/>
       </p:nvGrpSpPr>
@@ -4224,7 +4435,9 @@
       <p:sp>
         <p:nvSpPr>
           <p:cNvPr id="68" name="Shape 68"/>
-          <p:cNvSpPr txBox="1"/>
+          <p:cNvSpPr txBox="1">
+            <a:spLocks noGrp="1"/>
+          </p:cNvSpPr>
           <p:nvPr>
             <p:ph type="title"/>
           </p:nvPr>
@@ -4239,7 +4452,7 @@
           </a:prstGeom>
         </p:spPr>
         <p:txBody>
-          <a:bodyPr anchorCtr="0" anchor="b" bIns="91425" lIns="91425" rIns="91425" tIns="91425">
+          <a:bodyPr lIns="91425" tIns="91425" rIns="91425" bIns="91425" anchor="b" anchorCtr="0">
             <a:noAutofit/>
           </a:bodyPr>
           <a:lstStyle/>
@@ -4260,9 +4473,11 @@
       <p:sp>
         <p:nvSpPr>
           <p:cNvPr id="69" name="Shape 69"/>
-          <p:cNvSpPr txBox="1"/>
+          <p:cNvSpPr txBox="1">
+            <a:spLocks noGrp="1"/>
+          </p:cNvSpPr>
           <p:nvPr>
-            <p:ph idx="1" type="body"/>
+            <p:ph type="body" idx="1"/>
           </p:nvPr>
         </p:nvSpPr>
         <p:spPr>
@@ -4275,12 +4490,12 @@
           </a:prstGeom>
         </p:spPr>
         <p:txBody>
-          <a:bodyPr anchorCtr="0" anchor="t" bIns="91425" lIns="91425" rIns="91425" tIns="91425">
+          <a:bodyPr lIns="91425" tIns="91425" rIns="91425" bIns="91425" anchor="t" anchorCtr="0">
             <a:noAutofit/>
           </a:bodyPr>
           <a:lstStyle/>
           <a:p>
-            <a:pPr indent="-228600" lvl="0" marL="457200" rtl="0">
+            <a:pPr marL="457200" lvl="0" indent="-228600" rtl="0">
               <a:spcBef>
                 <a:spcPts val="0"/>
               </a:spcBef>
@@ -4291,7 +4506,7 @@
             </a:r>
           </a:p>
           <a:p>
-            <a:pPr indent="-228600" lvl="1" marL="914400" rtl="0">
+            <a:pPr marL="914400" lvl="1" indent="-228600" rtl="0">
               <a:spcBef>
                 <a:spcPts val="0"/>
               </a:spcBef>
@@ -4307,7 +4522,7 @@
             </a:r>
           </a:p>
           <a:p>
-            <a:pPr indent="-228600" lvl="0" marL="457200" rtl="0">
+            <a:pPr marL="457200" lvl="0" indent="-228600" rtl="0">
               <a:spcBef>
                 <a:spcPts val="0"/>
               </a:spcBef>
@@ -4318,7 +4533,7 @@
             </a:r>
           </a:p>
           <a:p>
-            <a:pPr indent="-228600" lvl="1" marL="914400" rtl="0">
+            <a:pPr marL="914400" lvl="1" indent="-228600" rtl="0">
               <a:spcBef>
                 <a:spcPts val="0"/>
               </a:spcBef>
@@ -4347,11 +4562,11 @@
 </file>
 
 <file path=ppt/slides/slide9.xml><?xml version="1.0" encoding="utf-8"?>
-<p:sld xmlns:a="http://schemas.openxmlformats.org/drawingml/2006/main" xmlns:r="http://schemas.openxmlformats.org/officeDocument/2006/relationships" xmlns:mc="http://schemas.openxmlformats.org/markup-compatibility/2006" xmlns:mv="urn:schemas-microsoft-com:mac:vml" xmlns:p="http://schemas.openxmlformats.org/presentationml/2006/main" xmlns:c="http://schemas.openxmlformats.org/drawingml/2006/chart" xmlns:dgm="http://schemas.openxmlformats.org/drawingml/2006/diagram" xmlns:o="urn:schemas-microsoft-com:office:office" xmlns:v="urn:schemas-microsoft-com:vml" xmlns:pvml="urn:schemas-microsoft-com:office:powerpoint" xmlns:com="http://schemas.openxmlformats.org/drawingml/2006/compatibility" xmlns:p14="http://schemas.microsoft.com/office/powerpoint/2010/main">
+<p:sld xmlns:a="http://schemas.openxmlformats.org/drawingml/2006/main" xmlns:r="http://schemas.openxmlformats.org/officeDocument/2006/relationships" xmlns:p="http://schemas.openxmlformats.org/presentationml/2006/main">
   <p:cSld>
     <p:spTree>
       <p:nvGrpSpPr>
-        <p:cNvPr id="73" name="Shape 73"/>
+        <p:cNvPr id="1" name="Shape 73"/>
         <p:cNvGrpSpPr/>
         <p:nvPr/>
       </p:nvGrpSpPr>
@@ -4366,7 +4581,9 @@
       <p:sp>
         <p:nvSpPr>
           <p:cNvPr id="74" name="Shape 74"/>
-          <p:cNvSpPr txBox="1"/>
+          <p:cNvSpPr txBox="1">
+            <a:spLocks noGrp="1"/>
+          </p:cNvSpPr>
           <p:nvPr>
             <p:ph type="title"/>
           </p:nvPr>
@@ -4381,7 +4598,7 @@
           </a:prstGeom>
         </p:spPr>
         <p:txBody>
-          <a:bodyPr anchorCtr="0" anchor="b" bIns="91425" lIns="91425" rIns="91425" tIns="91425">
+          <a:bodyPr lIns="91425" tIns="91425" rIns="91425" bIns="91425" anchor="b" anchorCtr="0">
             <a:noAutofit/>
           </a:bodyPr>
           <a:lstStyle/>
@@ -4402,9 +4619,11 @@
       <p:sp>
         <p:nvSpPr>
           <p:cNvPr id="75" name="Shape 75"/>
-          <p:cNvSpPr txBox="1"/>
+          <p:cNvSpPr txBox="1">
+            <a:spLocks noGrp="1"/>
+          </p:cNvSpPr>
           <p:nvPr>
-            <p:ph idx="1" type="body"/>
+            <p:ph type="body" idx="1"/>
           </p:nvPr>
         </p:nvSpPr>
         <p:spPr>
@@ -4417,12 +4636,12 @@
           </a:prstGeom>
         </p:spPr>
         <p:txBody>
-          <a:bodyPr anchorCtr="0" anchor="t" bIns="91425" lIns="91425" rIns="91425" tIns="91425">
+          <a:bodyPr lIns="91425" tIns="91425" rIns="91425" bIns="91425" anchor="t" anchorCtr="0">
             <a:noAutofit/>
           </a:bodyPr>
           <a:lstStyle/>
           <a:p>
-            <a:pPr indent="-228600" lvl="0" marL="457200" rtl="0">
+            <a:pPr marL="457200" lvl="0" indent="-228600" rtl="0">
               <a:spcBef>
                 <a:spcPts val="0"/>
               </a:spcBef>
@@ -4433,7 +4652,7 @@
             </a:r>
           </a:p>
           <a:p>
-            <a:pPr indent="-228600" lvl="1" marL="914400" rtl="0">
+            <a:pPr marL="914400" lvl="1" indent="-228600" rtl="0">
               <a:spcBef>
                 <a:spcPts val="0"/>
               </a:spcBef>
@@ -4444,7 +4663,7 @@
             </a:r>
           </a:p>
           <a:p>
-            <a:pPr indent="-228600" lvl="1" marL="914400" rtl="0">
+            <a:pPr marL="914400" lvl="1" indent="-228600" rtl="0">
               <a:spcBef>
                 <a:spcPts val="0"/>
               </a:spcBef>
@@ -4461,9 +4680,6 @@
               </a:spcBef>
               <a:buNone/>
             </a:pPr>
-            <a:r>
-              <a:t/>
-            </a:r>
             <a:endParaRPr/>
           </a:p>
         </p:txBody>
@@ -4480,7 +4696,7 @@
 </file>
 
 <file path=ppt/theme/theme1.xml><?xml version="1.0" encoding="utf-8"?>
-<a:theme xmlns:a="http://schemas.openxmlformats.org/drawingml/2006/main" xmlns:r="http://schemas.openxmlformats.org/officeDocument/2006/relationships" name="simple-light">
+<a:theme xmlns:a="http://schemas.openxmlformats.org/drawingml/2006/main" name="simple-light">
   <a:themeElements>
     <a:clrScheme name="Custom 347">
       <a:dk1>
@@ -4755,11 +4971,13 @@
       </a:bgFillStyleLst>
     </a:fmtScheme>
   </a:themeElements>
+  <a:objectDefaults/>
+  <a:extraClrSchemeLst/>
 </a:theme>
 </file>
 
 <file path=ppt/theme/theme2.xml><?xml version="1.0" encoding="utf-8"?>
-<a:theme xmlns:a="http://schemas.openxmlformats.org/drawingml/2006/main" xmlns:r="http://schemas.openxmlformats.org/officeDocument/2006/relationships" name="Custom Theme">
+<a:theme xmlns:a="http://schemas.openxmlformats.org/drawingml/2006/main" name="Custom Theme">
   <a:themeElements>
     <a:clrScheme name="Default">
       <a:dk1>
@@ -5034,5 +5252,7 @@
       </a:bgFillStyleLst>
     </a:fmtScheme>
   </a:themeElements>
+  <a:objectDefaults/>
+  <a:extraClrSchemeLst/>
 </a:theme>
 </file>